--- a/QUE DEBES CONOCER PARA GANAR CUALQUER BATALLA OTRA VERSION.pptx
+++ b/QUE DEBES CONOCER PARA GANAR CUALQUER BATALLA OTRA VERSION.pptx
@@ -397,7 +397,7 @@
           <a:p>
             <a:fld id="{8A131EE0-94F6-462A-8F98-93C44F6CA245}" type="datetimeFigureOut">
               <a:rPr lang="es-CO" smtClean="0"/>
-              <a:t>24/07/2023</a:t>
+              <a:t>25/07/2023</a:t>
             </a:fld>
             <a:endParaRPr lang="es-CO"/>
           </a:p>
@@ -811,7 +811,7 @@
           <a:p>
             <a:fld id="{8A131EE0-94F6-462A-8F98-93C44F6CA245}" type="datetimeFigureOut">
               <a:rPr lang="es-CO" smtClean="0"/>
-              <a:t>24/07/2023</a:t>
+              <a:t>25/07/2023</a:t>
             </a:fld>
             <a:endParaRPr lang="es-CO"/>
           </a:p>
@@ -1147,7 +1147,7 @@
           <a:p>
             <a:fld id="{8A131EE0-94F6-462A-8F98-93C44F6CA245}" type="datetimeFigureOut">
               <a:rPr lang="es-CO" smtClean="0"/>
-              <a:t>24/07/2023</a:t>
+              <a:t>25/07/2023</a:t>
             </a:fld>
             <a:endParaRPr lang="es-CO"/>
           </a:p>
@@ -1552,7 +1552,7 @@
           <a:p>
             <a:fld id="{8A131EE0-94F6-462A-8F98-93C44F6CA245}" type="datetimeFigureOut">
               <a:rPr lang="es-CO" smtClean="0"/>
-              <a:t>24/07/2023</a:t>
+              <a:t>25/07/2023</a:t>
             </a:fld>
             <a:endParaRPr lang="es-CO"/>
           </a:p>
@@ -2120,7 +2120,7 @@
           <a:p>
             <a:fld id="{8A131EE0-94F6-462A-8F98-93C44F6CA245}" type="datetimeFigureOut">
               <a:rPr lang="es-CO" smtClean="0"/>
-              <a:t>24/07/2023</a:t>
+              <a:t>25/07/2023</a:t>
             </a:fld>
             <a:endParaRPr lang="es-CO"/>
           </a:p>
@@ -2801,7 +2801,7 @@
           <a:p>
             <a:fld id="{8A131EE0-94F6-462A-8F98-93C44F6CA245}" type="datetimeFigureOut">
               <a:rPr lang="es-CO" smtClean="0"/>
-              <a:t>24/07/2023</a:t>
+              <a:t>25/07/2023</a:t>
             </a:fld>
             <a:endParaRPr lang="es-CO"/>
           </a:p>
@@ -3714,7 +3714,7 @@
           <a:p>
             <a:fld id="{8A131EE0-94F6-462A-8F98-93C44F6CA245}" type="datetimeFigureOut">
               <a:rPr lang="es-CO" smtClean="0"/>
-              <a:t>24/07/2023</a:t>
+              <a:t>25/07/2023</a:t>
             </a:fld>
             <a:endParaRPr lang="es-CO"/>
           </a:p>
@@ -4027,7 +4027,7 @@
           <a:p>
             <a:fld id="{8A131EE0-94F6-462A-8F98-93C44F6CA245}" type="datetimeFigureOut">
               <a:rPr lang="es-CO" smtClean="0"/>
-              <a:t>24/07/2023</a:t>
+              <a:t>25/07/2023</a:t>
             </a:fld>
             <a:endParaRPr lang="es-CO"/>
           </a:p>
@@ -4291,7 +4291,7 @@
           <a:p>
             <a:fld id="{8A131EE0-94F6-462A-8F98-93C44F6CA245}" type="datetimeFigureOut">
               <a:rPr lang="es-CO" smtClean="0"/>
-              <a:t>24/07/2023</a:t>
+              <a:t>25/07/2023</a:t>
             </a:fld>
             <a:endParaRPr lang="es-CO"/>
           </a:p>
@@ -4614,7 +4614,7 @@
           <a:p>
             <a:fld id="{8A131EE0-94F6-462A-8F98-93C44F6CA245}" type="datetimeFigureOut">
               <a:rPr lang="es-CO" smtClean="0"/>
-              <a:t>24/07/2023</a:t>
+              <a:t>25/07/2023</a:t>
             </a:fld>
             <a:endParaRPr lang="es-CO"/>
           </a:p>
@@ -5003,7 +5003,7 @@
           <a:p>
             <a:fld id="{8A131EE0-94F6-462A-8F98-93C44F6CA245}" type="datetimeFigureOut">
               <a:rPr lang="es-CO" smtClean="0"/>
-              <a:t>24/07/2023</a:t>
+              <a:t>25/07/2023</a:t>
             </a:fld>
             <a:endParaRPr lang="es-CO"/>
           </a:p>
@@ -5379,7 +5379,7 @@
           <a:p>
             <a:fld id="{8A131EE0-94F6-462A-8F98-93C44F6CA245}" type="datetimeFigureOut">
               <a:rPr lang="es-CO" smtClean="0"/>
-              <a:t>24/07/2023</a:t>
+              <a:t>25/07/2023</a:t>
             </a:fld>
             <a:endParaRPr lang="es-CO"/>
           </a:p>
@@ -5885,7 +5885,7 @@
           <a:p>
             <a:fld id="{8A131EE0-94F6-462A-8F98-93C44F6CA245}" type="datetimeFigureOut">
               <a:rPr lang="es-CO" smtClean="0"/>
-              <a:t>24/07/2023</a:t>
+              <a:t>25/07/2023</a:t>
             </a:fld>
             <a:endParaRPr lang="es-CO"/>
           </a:p>
@@ -6142,7 +6142,7 @@
           <a:p>
             <a:fld id="{8A131EE0-94F6-462A-8F98-93C44F6CA245}" type="datetimeFigureOut">
               <a:rPr lang="es-CO" smtClean="0"/>
-              <a:t>24/07/2023</a:t>
+              <a:t>25/07/2023</a:t>
             </a:fld>
             <a:endParaRPr lang="es-CO"/>
           </a:p>
@@ -6305,7 +6305,7 @@
           <a:p>
             <a:fld id="{8A131EE0-94F6-462A-8F98-93C44F6CA245}" type="datetimeFigureOut">
               <a:rPr lang="es-CO" smtClean="0"/>
-              <a:t>24/07/2023</a:t>
+              <a:t>25/07/2023</a:t>
             </a:fld>
             <a:endParaRPr lang="es-CO"/>
           </a:p>
@@ -6695,7 +6695,7 @@
           <a:p>
             <a:fld id="{8A131EE0-94F6-462A-8F98-93C44F6CA245}" type="datetimeFigureOut">
               <a:rPr lang="es-CO" smtClean="0"/>
-              <a:t>24/07/2023</a:t>
+              <a:t>25/07/2023</a:t>
             </a:fld>
             <a:endParaRPr lang="es-CO"/>
           </a:p>
@@ -7104,7 +7104,7 @@
           <a:p>
             <a:fld id="{8A131EE0-94F6-462A-8F98-93C44F6CA245}" type="datetimeFigureOut">
               <a:rPr lang="es-CO" smtClean="0"/>
-              <a:t>24/07/2023</a:t>
+              <a:t>25/07/2023</a:t>
             </a:fld>
             <a:endParaRPr lang="es-CO"/>
           </a:p>
@@ -7348,7 +7348,7 @@
           <a:p>
             <a:fld id="{8A131EE0-94F6-462A-8F98-93C44F6CA245}" type="datetimeFigureOut">
               <a:rPr lang="es-CO" smtClean="0"/>
-              <a:t>24/07/2023</a:t>
+              <a:t>25/07/2023</a:t>
             </a:fld>
             <a:endParaRPr lang="es-CO"/>
           </a:p>
@@ -7819,7 +7819,7 @@
           <a:p>
             <a:r>
               <a:rPr lang="es-ES" dirty="0"/>
-              <a:t>LUIS JOSE</a:t>
+              <a:t>LUIS</a:t>
             </a:r>
             <a:endParaRPr lang="es-CO" dirty="0"/>
           </a:p>
@@ -8341,7 +8341,43 @@
               <a:rPr lang="es-ES" dirty="0">
                 <a:latin typeface="Trebuchet MS (Títulos)"/>
               </a:rPr>
-              <a:t>Hola a todos! Hoy quiero hablarles que en el campo de batalla, la diferencia entre la victoria y la derrota a menudo radica en el conocimiento que poseemos. El saber es una espada afilada que puede cortar a través de la incertidumbre y la confusión, guiándonos hacia la gloria o la supervivencia</a:t>
+              <a:t>Hola a todos! Hoy quiero </a:t>
+            </a:r>
+            <a:r>
+              <a:rPr lang="es-ES" dirty="0" err="1">
+                <a:latin typeface="Trebuchet MS (Títulos)"/>
+              </a:rPr>
+              <a:t>compartiles</a:t>
+            </a:r>
+            <a:r>
+              <a:rPr lang="es-ES" dirty="0">
+                <a:latin typeface="Trebuchet MS (Títulos)"/>
+              </a:rPr>
+              <a:t> la obra el arte de la guerra de </a:t>
+            </a:r>
+            <a:r>
+              <a:rPr lang="es-ES" dirty="0" err="1">
+                <a:latin typeface="Trebuchet MS (Títulos)"/>
+              </a:rPr>
+              <a:t>sun</a:t>
+            </a:r>
+            <a:r>
+              <a:rPr lang="es-ES" dirty="0">
+                <a:latin typeface="Trebuchet MS (Títulos)"/>
+              </a:rPr>
+              <a:t> </a:t>
+            </a:r>
+            <a:r>
+              <a:rPr lang="es-ES" dirty="0" err="1">
+                <a:latin typeface="Trebuchet MS (Títulos)"/>
+              </a:rPr>
+              <a:t>tzu</a:t>
+            </a:r>
+            <a:r>
+              <a:rPr lang="es-ES" dirty="0">
+                <a:latin typeface="Trebuchet MS (Títulos)"/>
+              </a:rPr>
+              <a:t>, la diferencia entre la victoria y la derrota a menudo radica en el conocimiento que poseemos. El saber es una espada afilada que puede cortar a través de la incertidumbre y la confusión, guiándonos hacia la gloria o la supervivencia</a:t>
             </a:r>
           </a:p>
           <a:p>

--- a/QUE DEBES CONOCER PARA GANAR CUALQUER BATALLA OTRA VERSION.pptx
+++ b/QUE DEBES CONOCER PARA GANAR CUALQUER BATALLA OTRA VERSION.pptx
@@ -7,16 +7,21 @@
   <p:sldIdLst>
     <p:sldId id="256" r:id="rId2"/>
     <p:sldId id="257" r:id="rId3"/>
-    <p:sldId id="259" r:id="rId4"/>
-    <p:sldId id="260" r:id="rId5"/>
-    <p:sldId id="263" r:id="rId6"/>
-    <p:sldId id="267" r:id="rId7"/>
-    <p:sldId id="268" r:id="rId8"/>
-    <p:sldId id="264" r:id="rId9"/>
-    <p:sldId id="265" r:id="rId10"/>
-    <p:sldId id="266" r:id="rId11"/>
-    <p:sldId id="261" r:id="rId12"/>
-    <p:sldId id="262" r:id="rId13"/>
+    <p:sldId id="273" r:id="rId4"/>
+    <p:sldId id="269" r:id="rId5"/>
+    <p:sldId id="270" r:id="rId6"/>
+    <p:sldId id="271" r:id="rId7"/>
+    <p:sldId id="263" r:id="rId8"/>
+    <p:sldId id="260" r:id="rId9"/>
+    <p:sldId id="259" r:id="rId10"/>
+    <p:sldId id="267" r:id="rId11"/>
+    <p:sldId id="268" r:id="rId12"/>
+    <p:sldId id="264" r:id="rId13"/>
+    <p:sldId id="265" r:id="rId14"/>
+    <p:sldId id="266" r:id="rId15"/>
+    <p:sldId id="272" r:id="rId16"/>
+    <p:sldId id="261" r:id="rId17"/>
+    <p:sldId id="262" r:id="rId18"/>
   </p:sldIdLst>
   <p:sldSz cx="12192000" cy="6858000"/>
   <p:notesSz cx="6858000" cy="9144000"/>
@@ -7860,7 +7865,7 @@
           <p:cNvPr id="2" name="Título 1">
             <a:extLst>
               <a:ext uri="{FF2B5EF4-FFF2-40B4-BE49-F238E27FC236}">
-                <a16:creationId xmlns:a16="http://schemas.microsoft.com/office/drawing/2014/main" id="{1852EAB1-9845-5252-8BA1-2AACED5C6A5D}"/>
+                <a16:creationId xmlns:a16="http://schemas.microsoft.com/office/drawing/2014/main" id="{D78D24A6-82F6-B69C-DBE8-E34AD5BC5FD6}"/>
               </a:ext>
             </a:extLst>
           </p:cNvPr>
@@ -7877,7 +7882,7 @@
           <a:lstStyle/>
           <a:p>
             <a:r>
-              <a:rPr lang="es-ES" dirty="0"/>
+              <a:rPr lang="es-MX" sz="2800" dirty="0"/>
               <a:t>Sintaxis</a:t>
             </a:r>
             <a:endParaRPr lang="es-CO" dirty="0"/>
@@ -7889,7 +7894,7 @@
           <p:cNvPr id="3" name="Marcador de contenido 2">
             <a:extLst>
               <a:ext uri="{FF2B5EF4-FFF2-40B4-BE49-F238E27FC236}">
-                <a16:creationId xmlns:a16="http://schemas.microsoft.com/office/drawing/2014/main" id="{40E7DAC1-7E51-0985-98F4-E97D9CC7841A}"/>
+                <a16:creationId xmlns:a16="http://schemas.microsoft.com/office/drawing/2014/main" id="{4C5CB410-5020-313C-2271-B98893D6CD0B}"/>
               </a:ext>
             </a:extLst>
           </p:cNvPr>
@@ -7903,184 +7908,201 @@
         <p:spPr/>
         <p:txBody>
           <a:bodyPr>
-            <a:normAutofit fontScale="92500" lnSpcReduction="20000"/>
+            <a:noAutofit/>
           </a:bodyPr>
           <a:lstStyle/>
           <a:p>
-            <a:pPr marL="0" indent="0">
-              <a:buNone/>
-            </a:pPr>
-            <a:r>
-              <a:rPr lang="es-ES" dirty="0"/>
-              <a:t>La sintaxis general de esta función es:</a:t>
-            </a:r>
-            <a:endParaRPr lang="es-ES" sz="2400" dirty="0"/>
-          </a:p>
-          <a:p>
-            <a:r>
-              <a:rPr lang="es-ES" sz="2400" dirty="0"/>
-              <a:t>wordcloud2(data=</a:t>
-            </a:r>
-            <a:r>
-              <a:rPr lang="es-ES" sz="2400" dirty="0" err="1"/>
-              <a:t>demoFreq</a:t>
-            </a:r>
-            <a:r>
-              <a:rPr lang="es-ES" sz="2400" dirty="0"/>
+            <a:r>
+              <a:rPr lang="es-ES" dirty="0">
+                <a:latin typeface="Trebuchet MS (Títulos)"/>
+              </a:rPr>
+              <a:t>Es difícil describir sucintamente cómo funciona ggplot2 porque encarna una profunda filosofía de visualización. Sin embargo, en la mayoría de los casos, comienza con:</a:t>
+            </a:r>
+          </a:p>
+          <a:p>
+            <a:r>
+              <a:rPr lang="es-ES" dirty="0" err="1">
+                <a:latin typeface="Trebuchet MS (Títulos)"/>
+              </a:rPr>
+              <a:t>ggplot</a:t>
+            </a:r>
+            <a:r>
+              <a:rPr lang="es-ES" dirty="0">
+                <a:latin typeface="Trebuchet MS (Títulos)"/>
+              </a:rPr>
+              <a:t>(</a:t>
+            </a:r>
+            <a:r>
+              <a:rPr lang="es-ES" dirty="0" err="1">
+                <a:latin typeface="Trebuchet MS (Títulos)"/>
+              </a:rPr>
+              <a:t>datos_grafico</a:t>
+            </a:r>
+            <a:r>
+              <a:rPr lang="es-ES" dirty="0">
+                <a:latin typeface="Trebuchet MS (Títulos)"/>
+              </a:rPr>
               <a:t>, </a:t>
             </a:r>
-            <a:r>
-              <a:rPr lang="es-ES" sz="2400" dirty="0" err="1"/>
-              <a:t>size</a:t>
-            </a:r>
-            <a:r>
-              <a:rPr lang="es-ES" sz="2400" dirty="0"/>
-              <a:t> = 0.7, color = </a:t>
-            </a:r>
-            <a:r>
-              <a:rPr lang="es-ES" sz="2400" dirty="0" err="1"/>
-              <a:t>rep_len</a:t>
-            </a:r>
-            <a:r>
-              <a:rPr lang="es-ES" sz="2400" dirty="0"/>
-              <a:t>(c('</a:t>
-            </a:r>
-            <a:r>
-              <a:rPr lang="es-ES" sz="2400" dirty="0" err="1"/>
-              <a:t>Black','Red</a:t>
-            </a:r>
-            <a:r>
-              <a:rPr lang="es-ES" sz="2400" dirty="0"/>
-              <a:t>'), </a:t>
-            </a:r>
-            <a:r>
-              <a:rPr lang="es-ES" sz="2400" dirty="0" err="1"/>
-              <a:t>nrow</a:t>
-            </a:r>
-            <a:r>
-              <a:rPr lang="es-ES" sz="2400" dirty="0"/>
+          </a:p>
+          <a:p>
+            <a:r>
+              <a:rPr lang="es-ES" dirty="0">
+                <a:latin typeface="Trebuchet MS (Títulos)"/>
+              </a:rPr>
+              <a:t>aes(x = Palabra, y = Numero, </a:t>
+            </a:r>
+            <a:r>
+              <a:rPr lang="es-ES" dirty="0" err="1">
+                <a:latin typeface="Trebuchet MS (Títulos)"/>
+              </a:rPr>
+              <a:t>fill</a:t>
+            </a:r>
+            <a:r>
+              <a:rPr lang="es-ES" dirty="0">
+                <a:latin typeface="Trebuchet MS (Títulos)"/>
+              </a:rPr>
+              <a:t> = Palabra)) + </a:t>
+            </a:r>
+          </a:p>
+          <a:p>
+            <a:r>
+              <a:rPr lang="es-ES" dirty="0" err="1">
+                <a:latin typeface="Trebuchet MS (Títulos)"/>
+              </a:rPr>
+              <a:t>geom_bar</a:t>
+            </a:r>
+            <a:r>
+              <a:rPr lang="es-ES" dirty="0">
+                <a:latin typeface="Trebuchet MS (Títulos)"/>
+              </a:rPr>
               <a:t>(</a:t>
             </a:r>
             <a:r>
-              <a:rPr lang="es-ES" sz="2400" dirty="0" err="1"/>
-              <a:t>demoFreq</a:t>
-            </a:r>
-            <a:r>
-              <a:rPr lang="es-ES" sz="2400" dirty="0"/>
-              <a:t>)))</a:t>
-            </a:r>
-          </a:p>
-          <a:p>
-            <a:r>
-              <a:rPr lang="es-ES" sz="2400" dirty="0"/>
-              <a:t>data = es el archivo de datos de entrada.</a:t>
-            </a:r>
-          </a:p>
-          <a:p>
-            <a:r>
-              <a:rPr lang="es-ES" sz="2400" dirty="0" err="1"/>
-              <a:t>size</a:t>
-            </a:r>
-            <a:r>
-              <a:rPr lang="es-ES" sz="2400" dirty="0"/>
-              <a:t> = el tamaño de las palabras que serán mostradas en la gráfico de la nube.</a:t>
-            </a:r>
-          </a:p>
-          <a:p>
-            <a:r>
-              <a:rPr lang="es-ES" sz="2400" dirty="0"/>
-              <a:t>color = será el color de las palabras.</a:t>
-            </a:r>
-          </a:p>
-          <a:p>
-            <a:r>
-              <a:rPr lang="es-ES" sz="2400" dirty="0" err="1"/>
-              <a:t>backgroundcolor</a:t>
-            </a:r>
-            <a:r>
-              <a:rPr lang="es-ES" sz="2400" dirty="0"/>
-              <a:t> = para ajustar el color de fonde del </a:t>
-            </a:r>
-            <a:r>
-              <a:rPr lang="es-ES" sz="2400" dirty="0" err="1"/>
-              <a:t>gŕafico</a:t>
-            </a:r>
-            <a:r>
-              <a:rPr lang="es-ES" sz="2400" dirty="0"/>
-              <a:t>.</a:t>
-            </a:r>
-          </a:p>
-          <a:p>
-            <a:r>
-              <a:rPr lang="es-ES" sz="2400" dirty="0" err="1"/>
-              <a:t>shape</a:t>
-            </a:r>
-            <a:r>
-              <a:rPr lang="es-ES" sz="2400" dirty="0"/>
-              <a:t> = la forma que tendrá la nube de palabras (</a:t>
-            </a:r>
-            <a:r>
-              <a:rPr lang="es-ES" sz="2400" dirty="0" err="1"/>
-              <a:t>star</a:t>
-            </a:r>
-            <a:r>
-              <a:rPr lang="es-ES" sz="2400" dirty="0"/>
-              <a:t>, </a:t>
-            </a:r>
-            <a:r>
-              <a:rPr lang="es-ES" sz="2400" dirty="0" err="1"/>
-              <a:t>cardioid</a:t>
-            </a:r>
-            <a:r>
-              <a:rPr lang="es-ES" sz="2400" dirty="0"/>
-              <a:t>, </a:t>
-            </a:r>
-            <a:r>
-              <a:rPr lang="es-ES" sz="2400" dirty="0" err="1"/>
-              <a:t>circle</a:t>
-            </a:r>
-            <a:r>
-              <a:rPr lang="es-ES" sz="2400" dirty="0"/>
-              <a:t>, </a:t>
-            </a:r>
-            <a:r>
-              <a:rPr lang="es-ES" sz="2400" dirty="0" err="1"/>
-              <a:t>triangle</a:t>
-            </a:r>
-            <a:r>
-              <a:rPr lang="es-ES" sz="2400" dirty="0"/>
-              <a:t>, …).</a:t>
-            </a:r>
-          </a:p>
-          <a:p>
-            <a:r>
-              <a:rPr lang="es-ES" sz="2400" dirty="0"/>
-              <a:t>min/</a:t>
-            </a:r>
-            <a:r>
-              <a:rPr lang="es-ES" sz="2400" dirty="0" err="1"/>
-              <a:t>max</a:t>
-            </a:r>
-            <a:r>
-              <a:rPr lang="es-ES" sz="2400" dirty="0"/>
+              <a:rPr lang="es-ES" dirty="0" err="1">
+                <a:latin typeface="Trebuchet MS (Títulos)"/>
+              </a:rPr>
+              <a:t>stat</a:t>
+            </a:r>
+            <a:r>
+              <a:rPr lang="es-ES" dirty="0">
+                <a:latin typeface="Trebuchet MS (Títulos)"/>
+              </a:rPr>
+              <a:t> = "</a:t>
+            </a:r>
+            <a:r>
+              <a:rPr lang="es-ES" dirty="0" err="1">
+                <a:latin typeface="Trebuchet MS (Títulos)"/>
+              </a:rPr>
+              <a:t>identity</a:t>
+            </a:r>
+            <a:r>
+              <a:rPr lang="es-ES" dirty="0">
+                <a:latin typeface="Trebuchet MS (Títulos)"/>
+              </a:rPr>
+              <a:t>", color = "</a:t>
+            </a:r>
+            <a:r>
+              <a:rPr lang="es-ES" dirty="0" err="1">
+                <a:latin typeface="Trebuchet MS (Títulos)"/>
+              </a:rPr>
+              <a:t>black</a:t>
+            </a:r>
+            <a:r>
+              <a:rPr lang="es-ES" dirty="0">
+                <a:latin typeface="Trebuchet MS (Títulos)"/>
+              </a:rPr>
+              <a:t>") +  </a:t>
+            </a:r>
+          </a:p>
+          <a:p>
+            <a:r>
+              <a:rPr lang="es-ES" dirty="0" err="1">
+                <a:latin typeface="Trebuchet MS (Títulos)"/>
+              </a:rPr>
+              <a:t>labs</a:t>
+            </a:r>
+            <a:r>
+              <a:rPr lang="es-ES" dirty="0">
+                <a:latin typeface="Trebuchet MS (Títulos)"/>
+              </a:rPr>
+              <a:t>(x = NULL, y = "Número de frases", </a:t>
+            </a:r>
+            <a:r>
+              <a:rPr lang="es-ES" dirty="0" err="1">
+                <a:latin typeface="Trebuchet MS (Títulos)"/>
+              </a:rPr>
+              <a:t>title</a:t>
+            </a:r>
+            <a:r>
+              <a:rPr lang="es-ES" dirty="0">
+                <a:latin typeface="Trebuchet MS (Títulos)"/>
+              </a:rPr>
+              <a:t> = "Frases que contienen palabras clave") + </a:t>
+            </a:r>
+          </a:p>
+          <a:p>
+            <a:r>
+              <a:rPr lang="es-ES" dirty="0">
+                <a:latin typeface="Trebuchet MS (Títulos)"/>
+              </a:rPr>
               <a:t> </a:t>
             </a:r>
             <a:r>
-              <a:rPr lang="es-ES" sz="2400" dirty="0" err="1"/>
-              <a:t>rotation</a:t>
-            </a:r>
-            <a:r>
-              <a:rPr lang="es-ES" sz="2400" dirty="0"/>
-              <a:t> = el ángulo de rotación de las palabras.</a:t>
-            </a:r>
-            <a:endParaRPr lang="es-CO" sz="2400" dirty="0"/>
+              <a:rPr lang="es-ES" dirty="0" err="1">
+                <a:latin typeface="Trebuchet MS (Títulos)"/>
+              </a:rPr>
+              <a:t>theme</a:t>
+            </a:r>
+            <a:r>
+              <a:rPr lang="es-ES" dirty="0">
+                <a:latin typeface="Trebuchet MS (Títulos)"/>
+              </a:rPr>
+              <a:t>(</a:t>
+            </a:r>
+            <a:r>
+              <a:rPr lang="es-ES" dirty="0" err="1">
+                <a:latin typeface="Trebuchet MS (Títulos)"/>
+              </a:rPr>
+              <a:t>axis.text.x</a:t>
+            </a:r>
+            <a:r>
+              <a:rPr lang="es-ES" dirty="0">
+                <a:latin typeface="Trebuchet MS (Títulos)"/>
+              </a:rPr>
+              <a:t> = </a:t>
+            </a:r>
+            <a:r>
+              <a:rPr lang="es-ES" dirty="0" err="1">
+                <a:latin typeface="Trebuchet MS (Títulos)"/>
+              </a:rPr>
+              <a:t>element_text</a:t>
+            </a:r>
+            <a:r>
+              <a:rPr lang="es-ES" dirty="0">
+                <a:latin typeface="Trebuchet MS (Títulos)"/>
+              </a:rPr>
+              <a:t>(angle = 45, </a:t>
+            </a:r>
+            <a:r>
+              <a:rPr lang="es-ES" dirty="0" err="1">
+                <a:latin typeface="Trebuchet MS (Títulos)"/>
+              </a:rPr>
+              <a:t>hjust</a:t>
+            </a:r>
+            <a:r>
+              <a:rPr lang="es-ES" dirty="0">
+                <a:latin typeface="Trebuchet MS (Títulos)"/>
+              </a:rPr>
+              <a:t> = 1))</a:t>
+            </a:r>
           </a:p>
         </p:txBody>
       </p:sp>
     </p:spTree>
     <p:extLst>
       <p:ext uri="{BB962C8B-B14F-4D97-AF65-F5344CB8AC3E}">
-        <p14:creationId xmlns:p14="http://schemas.microsoft.com/office/powerpoint/2010/main" val="2799362463"/>
+        <p14:creationId xmlns:p14="http://schemas.microsoft.com/office/powerpoint/2010/main" val="4108334512"/>
       </p:ext>
     </p:extLst>
   </p:cSld>
@@ -8112,6 +8134,787 @@
           <p:cNvPr id="2" name="Título 1">
             <a:extLst>
               <a:ext uri="{FF2B5EF4-FFF2-40B4-BE49-F238E27FC236}">
+                <a16:creationId xmlns:a16="http://schemas.microsoft.com/office/drawing/2014/main" id="{C9138EC7-7308-4EB9-9D5A-7C3F95ED1BF3}"/>
+              </a:ext>
+            </a:extLst>
+          </p:cNvPr>
+          <p:cNvSpPr>
+            <a:spLocks noGrp="1"/>
+          </p:cNvSpPr>
+          <p:nvPr>
+            <p:ph type="title"/>
+          </p:nvPr>
+        </p:nvSpPr>
+        <p:spPr/>
+        <p:txBody>
+          <a:bodyPr/>
+          <a:lstStyle/>
+          <a:p>
+            <a:r>
+              <a:rPr lang="es-MX" sz="2800" dirty="0"/>
+              <a:t>Sintaxis</a:t>
+            </a:r>
+            <a:endParaRPr lang="es-CO" dirty="0"/>
+          </a:p>
+        </p:txBody>
+      </p:sp>
+      <p:sp>
+        <p:nvSpPr>
+          <p:cNvPr id="3" name="Marcador de contenido 2">
+            <a:extLst>
+              <a:ext uri="{FF2B5EF4-FFF2-40B4-BE49-F238E27FC236}">
+                <a16:creationId xmlns:a16="http://schemas.microsoft.com/office/drawing/2014/main" id="{0D5A222B-9DB1-4493-B234-00939271FEC1}"/>
+              </a:ext>
+            </a:extLst>
+          </p:cNvPr>
+          <p:cNvSpPr>
+            <a:spLocks noGrp="1"/>
+          </p:cNvSpPr>
+          <p:nvPr>
+            <p:ph idx="1"/>
+          </p:nvPr>
+        </p:nvSpPr>
+        <p:spPr/>
+        <p:txBody>
+          <a:bodyPr>
+            <a:normAutofit fontScale="40000" lnSpcReduction="20000"/>
+          </a:bodyPr>
+          <a:lstStyle/>
+          <a:p>
+            <a:r>
+              <a:rPr lang="es-ES" sz="4400" dirty="0">
+                <a:latin typeface="Trebuchet MS (Títulos)"/>
+              </a:rPr>
+              <a:t>El código utiliza la librería </a:t>
+            </a:r>
+            <a:r>
+              <a:rPr lang="es-ES" sz="4400" b="1" dirty="0">
+                <a:latin typeface="Trebuchet MS (Títulos)"/>
+              </a:rPr>
+              <a:t>ggplot2</a:t>
+            </a:r>
+            <a:r>
+              <a:rPr lang="es-ES" sz="4400" dirty="0">
+                <a:latin typeface="Trebuchet MS (Títulos)"/>
+              </a:rPr>
+              <a:t> en R para crear un gráfico de barras a partir de los datos proporcionados en el objeto </a:t>
+            </a:r>
+            <a:r>
+              <a:rPr lang="es-ES" sz="4400" dirty="0" err="1">
+                <a:latin typeface="Trebuchet MS (Títulos)"/>
+              </a:rPr>
+              <a:t>datos_grafico</a:t>
+            </a:r>
+            <a:r>
+              <a:rPr lang="es-ES" sz="4400" dirty="0">
+                <a:latin typeface="Trebuchet MS (Títulos)"/>
+              </a:rPr>
+              <a:t>. Se asigna la columna "Palabra" al eje x y la columna "Numero" al eje y. Además, se utiliza la columna "Palabra" para definir el color de las barras.</a:t>
+            </a:r>
+          </a:p>
+          <a:p>
+            <a:r>
+              <a:rPr lang="es-ES" sz="4400" dirty="0">
+                <a:latin typeface="Trebuchet MS (Títulos)"/>
+              </a:rPr>
+              <a:t>Se agrega una capa al gráfico utilizando </a:t>
+            </a:r>
+            <a:r>
+              <a:rPr lang="es-ES" sz="4400" b="1" dirty="0" err="1">
+                <a:latin typeface="Trebuchet MS (Títulos)"/>
+              </a:rPr>
+              <a:t>geom_bar</a:t>
+            </a:r>
+            <a:r>
+              <a:rPr lang="es-ES" sz="4400" dirty="0">
+                <a:latin typeface="Trebuchet MS (Títulos)"/>
+              </a:rPr>
+              <a:t>, lo que crea un gráfico de barras. El argumento </a:t>
+            </a:r>
+            <a:r>
+              <a:rPr lang="es-ES" sz="4400" dirty="0" err="1">
+                <a:latin typeface="Trebuchet MS (Títulos)"/>
+              </a:rPr>
+              <a:t>stat</a:t>
+            </a:r>
+            <a:r>
+              <a:rPr lang="es-ES" sz="4400" dirty="0">
+                <a:latin typeface="Trebuchet MS (Títulos)"/>
+              </a:rPr>
+              <a:t> = "</a:t>
+            </a:r>
+            <a:r>
+              <a:rPr lang="es-ES" sz="4400" dirty="0" err="1">
+                <a:latin typeface="Trebuchet MS (Títulos)"/>
+              </a:rPr>
+              <a:t>identity</a:t>
+            </a:r>
+            <a:r>
+              <a:rPr lang="es-ES" sz="4400" dirty="0">
+                <a:latin typeface="Trebuchet MS (Títulos)"/>
+              </a:rPr>
+              <a:t>" indica que las alturas de las barras se toman directamente de los datos proporcionados en "Numero", en lugar de calcular frecuencias. El argumento color = "</a:t>
+            </a:r>
+            <a:r>
+              <a:rPr lang="es-ES" sz="4400" dirty="0" err="1">
+                <a:latin typeface="Trebuchet MS (Títulos)"/>
+              </a:rPr>
+              <a:t>black</a:t>
+            </a:r>
+            <a:r>
+              <a:rPr lang="es-ES" sz="4400" dirty="0">
+                <a:latin typeface="Trebuchet MS (Títulos)"/>
+              </a:rPr>
+              <a:t>" define el color del borde de las barras, que es negro.</a:t>
+            </a:r>
+          </a:p>
+          <a:p>
+            <a:r>
+              <a:rPr lang="es-ES" sz="4400" dirty="0">
+                <a:latin typeface="Trebuchet MS (Títulos)"/>
+              </a:rPr>
+              <a:t>Se agregan etiquetas al gráfico mediante </a:t>
+            </a:r>
+            <a:r>
+              <a:rPr lang="es-ES" sz="4400" b="1" dirty="0" err="1">
+                <a:latin typeface="Trebuchet MS (Títulos)"/>
+              </a:rPr>
+              <a:t>labs</a:t>
+            </a:r>
+            <a:r>
+              <a:rPr lang="es-ES" sz="4400" dirty="0">
+                <a:latin typeface="Trebuchet MS (Títulos)"/>
+              </a:rPr>
+              <a:t>. La etiqueta del eje x se omite (x = NULL), y se asigna la etiqueta "Número de frases" al eje y. Además, se asigna el título "Frases que contienen palabras clave" al gráfico.</a:t>
+            </a:r>
+          </a:p>
+          <a:p>
+            <a:r>
+              <a:rPr lang="es-ES" sz="4400" dirty="0">
+                <a:latin typeface="Trebuchet MS (Títulos)"/>
+              </a:rPr>
+              <a:t>Se personaliza el tema del gráfico utilizando </a:t>
+            </a:r>
+            <a:r>
+              <a:rPr lang="es-ES" sz="4400" b="1" dirty="0" err="1">
+                <a:latin typeface="Trebuchet MS (Títulos)"/>
+              </a:rPr>
+              <a:t>theme</a:t>
+            </a:r>
+            <a:r>
+              <a:rPr lang="es-ES" sz="4400" dirty="0">
+                <a:latin typeface="Trebuchet MS (Títulos)"/>
+              </a:rPr>
+              <a:t>. Se ajusta el ángulo del texto en el eje x a 45 grados (</a:t>
+            </a:r>
+            <a:r>
+              <a:rPr lang="es-ES" sz="4400" dirty="0" err="1">
+                <a:latin typeface="Trebuchet MS (Títulos)"/>
+              </a:rPr>
+              <a:t>angle</a:t>
+            </a:r>
+            <a:r>
+              <a:rPr lang="es-ES" sz="4400" dirty="0">
+                <a:latin typeface="Trebuchet MS (Títulos)"/>
+              </a:rPr>
+              <a:t> = 45) para evitar la superposición de etiquetas y mejorar la legibilidad. El argumento </a:t>
+            </a:r>
+            <a:r>
+              <a:rPr lang="es-ES" sz="4400" dirty="0" err="1">
+                <a:latin typeface="Trebuchet MS (Títulos)"/>
+              </a:rPr>
+              <a:t>hjust</a:t>
+            </a:r>
+            <a:r>
+              <a:rPr lang="es-ES" sz="4400" dirty="0">
+                <a:latin typeface="Trebuchet MS (Títulos)"/>
+              </a:rPr>
+              <a:t> = 1 alinea horizontalmente el texto en el eje x.</a:t>
+            </a:r>
+          </a:p>
+          <a:p>
+            <a:endParaRPr lang="es-CO" dirty="0"/>
+          </a:p>
+        </p:txBody>
+      </p:sp>
+    </p:spTree>
+    <p:extLst>
+      <p:ext uri="{BB962C8B-B14F-4D97-AF65-F5344CB8AC3E}">
+        <p14:creationId xmlns:p14="http://schemas.microsoft.com/office/powerpoint/2010/main" val="2309351779"/>
+      </p:ext>
+    </p:extLst>
+  </p:cSld>
+  <p:clrMapOvr>
+    <a:masterClrMapping/>
+  </p:clrMapOvr>
+</p:sld>
+</file>
+
+<file path=ppt/slides/slide12.xml><?xml version="1.0" encoding="utf-8"?>
+<p:sld xmlns:a="http://schemas.openxmlformats.org/drawingml/2006/main" xmlns:r="http://schemas.openxmlformats.org/officeDocument/2006/relationships" xmlns:p="http://schemas.openxmlformats.org/presentationml/2006/main">
+  <p:cSld>
+    <p:spTree>
+      <p:nvGrpSpPr>
+        <p:cNvPr id="1" name=""/>
+        <p:cNvGrpSpPr/>
+        <p:nvPr/>
+      </p:nvGrpSpPr>
+      <p:grpSpPr>
+        <a:xfrm>
+          <a:off x="0" y="0"/>
+          <a:ext cx="0" cy="0"/>
+          <a:chOff x="0" y="0"/>
+          <a:chExt cx="0" cy="0"/>
+        </a:xfrm>
+      </p:grpSpPr>
+      <p:pic>
+        <p:nvPicPr>
+          <p:cNvPr id="5" name="Marcador de contenido 4">
+            <a:extLst>
+              <a:ext uri="{FF2B5EF4-FFF2-40B4-BE49-F238E27FC236}">
+                <a16:creationId xmlns:a16="http://schemas.microsoft.com/office/drawing/2014/main" id="{8A711D6B-AC0E-AF2F-2379-6039A51B9994}"/>
+              </a:ext>
+            </a:extLst>
+          </p:cNvPr>
+          <p:cNvPicPr>
+            <a:picLocks noGrp="1" noChangeAspect="1"/>
+          </p:cNvPicPr>
+          <p:nvPr>
+            <p:ph idx="1"/>
+          </p:nvPr>
+        </p:nvPicPr>
+        <p:blipFill>
+          <a:blip r:embed="rId2">
+            <a:extLst>
+              <a:ext uri="{28A0092B-C50C-407E-A947-70E740481C1C}">
+                <a14:useLocalDpi xmlns:a14="http://schemas.microsoft.com/office/drawing/2010/main" val="0"/>
+              </a:ext>
+            </a:extLst>
+          </a:blip>
+          <a:stretch>
+            <a:fillRect/>
+          </a:stretch>
+        </p:blipFill>
+        <p:spPr>
+          <a:xfrm>
+            <a:off x="0" y="0"/>
+            <a:ext cx="12191999" cy="6858994"/>
+          </a:xfrm>
+        </p:spPr>
+      </p:pic>
+    </p:spTree>
+    <p:extLst>
+      <p:ext uri="{BB962C8B-B14F-4D97-AF65-F5344CB8AC3E}">
+        <p14:creationId xmlns:p14="http://schemas.microsoft.com/office/powerpoint/2010/main" val="4150133507"/>
+      </p:ext>
+    </p:extLst>
+  </p:cSld>
+  <p:clrMapOvr>
+    <a:masterClrMapping/>
+  </p:clrMapOvr>
+</p:sld>
+</file>
+
+<file path=ppt/slides/slide13.xml><?xml version="1.0" encoding="utf-8"?>
+<p:sld xmlns:a="http://schemas.openxmlformats.org/drawingml/2006/main" xmlns:r="http://schemas.openxmlformats.org/officeDocument/2006/relationships" xmlns:p="http://schemas.openxmlformats.org/presentationml/2006/main">
+  <p:cSld>
+    <p:spTree>
+      <p:nvGrpSpPr>
+        <p:cNvPr id="1" name=""/>
+        <p:cNvGrpSpPr/>
+        <p:nvPr/>
+      </p:nvGrpSpPr>
+      <p:grpSpPr>
+        <a:xfrm>
+          <a:off x="0" y="0"/>
+          <a:ext cx="0" cy="0"/>
+          <a:chOff x="0" y="0"/>
+          <a:chExt cx="0" cy="0"/>
+        </a:xfrm>
+      </p:grpSpPr>
+      <p:sp>
+        <p:nvSpPr>
+          <p:cNvPr id="2" name="Título 1">
+            <a:extLst>
+              <a:ext uri="{FF2B5EF4-FFF2-40B4-BE49-F238E27FC236}">
+                <a16:creationId xmlns:a16="http://schemas.microsoft.com/office/drawing/2014/main" id="{1EFC6BC8-F92F-675D-5D62-F59A0B7C0484}"/>
+              </a:ext>
+            </a:extLst>
+          </p:cNvPr>
+          <p:cNvSpPr>
+            <a:spLocks noGrp="1"/>
+          </p:cNvSpPr>
+          <p:nvPr>
+            <p:ph type="title"/>
+          </p:nvPr>
+        </p:nvSpPr>
+        <p:spPr/>
+        <p:txBody>
+          <a:bodyPr>
+            <a:normAutofit/>
+          </a:bodyPr>
+          <a:lstStyle/>
+          <a:p>
+            <a:r>
+              <a:rPr lang="es-ES" sz="2800" dirty="0"/>
+              <a:t>Librería wordcloud2</a:t>
+            </a:r>
+            <a:endParaRPr lang="es-CO" sz="2800" dirty="0"/>
+          </a:p>
+        </p:txBody>
+      </p:sp>
+      <p:sp>
+        <p:nvSpPr>
+          <p:cNvPr id="3" name="Marcador de contenido 2">
+            <a:extLst>
+              <a:ext uri="{FF2B5EF4-FFF2-40B4-BE49-F238E27FC236}">
+                <a16:creationId xmlns:a16="http://schemas.microsoft.com/office/drawing/2014/main" id="{D04945A0-EFD5-6A79-7934-F35627CA6843}"/>
+              </a:ext>
+            </a:extLst>
+          </p:cNvPr>
+          <p:cNvSpPr>
+            <a:spLocks noGrp="1"/>
+          </p:cNvSpPr>
+          <p:nvPr>
+            <p:ph idx="1"/>
+          </p:nvPr>
+        </p:nvSpPr>
+        <p:spPr/>
+        <p:txBody>
+          <a:bodyPr/>
+          <a:lstStyle/>
+          <a:p>
+            <a:r>
+              <a:rPr lang="es-ES" dirty="0"/>
+              <a:t>Son librerías o paquetes de R, para generar nubes de palabras, </a:t>
+            </a:r>
+            <a:r>
+              <a:rPr lang="es-ES" dirty="0" err="1"/>
+              <a:t>ó</a:t>
+            </a:r>
+            <a:r>
+              <a:rPr lang="es-ES" dirty="0"/>
+              <a:t> </a:t>
+            </a:r>
+            <a:r>
+              <a:rPr lang="es-ES" dirty="0" err="1"/>
+              <a:t>WordCloud</a:t>
+            </a:r>
+            <a:r>
+              <a:rPr lang="es-ES" dirty="0"/>
+              <a:t> por su nombre en inglés. Una de ellas es wordcloud2 y la otra, </a:t>
+            </a:r>
+            <a:r>
+              <a:rPr lang="es-ES" dirty="0" err="1"/>
+              <a:t>wordcloud</a:t>
+            </a:r>
+            <a:r>
+              <a:rPr lang="es-ES" dirty="0"/>
+              <a:t>.</a:t>
+            </a:r>
+          </a:p>
+          <a:p>
+            <a:endParaRPr lang="es-ES" dirty="0"/>
+          </a:p>
+          <a:p>
+            <a:pPr marL="0" indent="0">
+              <a:buNone/>
+            </a:pPr>
+            <a:r>
+              <a:rPr lang="es-ES" dirty="0">
+                <a:latin typeface="Trebuchet MS (Títulos)"/>
+              </a:rPr>
+              <a:t> librería </a:t>
+            </a:r>
+            <a:r>
+              <a:rPr lang="es-ES" dirty="0" err="1">
+                <a:latin typeface="Trebuchet MS (Títulos)"/>
+              </a:rPr>
+              <a:t>Wordclound</a:t>
+            </a:r>
+            <a:r>
+              <a:rPr lang="es-ES" dirty="0">
+                <a:latin typeface="Trebuchet MS (Títulos)"/>
+              </a:rPr>
+              <a:t>:</a:t>
+            </a:r>
+          </a:p>
+          <a:p>
+            <a:r>
+              <a:rPr lang="es-ES" dirty="0" err="1">
+                <a:latin typeface="Trebuchet MS (Títulos)"/>
+              </a:rPr>
+              <a:t>instalar.paquetes</a:t>
+            </a:r>
+            <a:r>
+              <a:rPr lang="es-ES" dirty="0">
+                <a:latin typeface="Trebuchet MS (Títulos)"/>
+              </a:rPr>
+              <a:t>(“wordclound2")</a:t>
+            </a:r>
+          </a:p>
+          <a:p>
+            <a:endParaRPr lang="es-CO" dirty="0"/>
+          </a:p>
+        </p:txBody>
+      </p:sp>
+    </p:spTree>
+    <p:extLst>
+      <p:ext uri="{BB962C8B-B14F-4D97-AF65-F5344CB8AC3E}">
+        <p14:creationId xmlns:p14="http://schemas.microsoft.com/office/powerpoint/2010/main" val="828722691"/>
+      </p:ext>
+    </p:extLst>
+  </p:cSld>
+  <p:clrMapOvr>
+    <a:masterClrMapping/>
+  </p:clrMapOvr>
+</p:sld>
+</file>
+
+<file path=ppt/slides/slide14.xml><?xml version="1.0" encoding="utf-8"?>
+<p:sld xmlns:a="http://schemas.openxmlformats.org/drawingml/2006/main" xmlns:r="http://schemas.openxmlformats.org/officeDocument/2006/relationships" xmlns:p="http://schemas.openxmlformats.org/presentationml/2006/main">
+  <p:cSld>
+    <p:spTree>
+      <p:nvGrpSpPr>
+        <p:cNvPr id="1" name=""/>
+        <p:cNvGrpSpPr/>
+        <p:nvPr/>
+      </p:nvGrpSpPr>
+      <p:grpSpPr>
+        <a:xfrm>
+          <a:off x="0" y="0"/>
+          <a:ext cx="0" cy="0"/>
+          <a:chOff x="0" y="0"/>
+          <a:chExt cx="0" cy="0"/>
+        </a:xfrm>
+      </p:grpSpPr>
+      <p:sp>
+        <p:nvSpPr>
+          <p:cNvPr id="2" name="Título 1">
+            <a:extLst>
+              <a:ext uri="{FF2B5EF4-FFF2-40B4-BE49-F238E27FC236}">
+                <a16:creationId xmlns:a16="http://schemas.microsoft.com/office/drawing/2014/main" id="{1852EAB1-9845-5252-8BA1-2AACED5C6A5D}"/>
+              </a:ext>
+            </a:extLst>
+          </p:cNvPr>
+          <p:cNvSpPr>
+            <a:spLocks noGrp="1"/>
+          </p:cNvSpPr>
+          <p:nvPr>
+            <p:ph type="title"/>
+          </p:nvPr>
+        </p:nvSpPr>
+        <p:spPr/>
+        <p:txBody>
+          <a:bodyPr/>
+          <a:lstStyle/>
+          <a:p>
+            <a:r>
+              <a:rPr lang="es-ES" dirty="0"/>
+              <a:t>Sintaxis</a:t>
+            </a:r>
+            <a:endParaRPr lang="es-CO" dirty="0"/>
+          </a:p>
+        </p:txBody>
+      </p:sp>
+      <p:sp>
+        <p:nvSpPr>
+          <p:cNvPr id="3" name="Marcador de contenido 2">
+            <a:extLst>
+              <a:ext uri="{FF2B5EF4-FFF2-40B4-BE49-F238E27FC236}">
+                <a16:creationId xmlns:a16="http://schemas.microsoft.com/office/drawing/2014/main" id="{40E7DAC1-7E51-0985-98F4-E97D9CC7841A}"/>
+              </a:ext>
+            </a:extLst>
+          </p:cNvPr>
+          <p:cNvSpPr>
+            <a:spLocks noGrp="1"/>
+          </p:cNvSpPr>
+          <p:nvPr>
+            <p:ph idx="1"/>
+          </p:nvPr>
+        </p:nvSpPr>
+        <p:spPr>
+          <a:xfrm>
+            <a:off x="680321" y="2336873"/>
+            <a:ext cx="10411749" cy="3599316"/>
+          </a:xfrm>
+        </p:spPr>
+        <p:txBody>
+          <a:bodyPr>
+            <a:normAutofit/>
+          </a:bodyPr>
+          <a:lstStyle/>
+          <a:p>
+            <a:pPr marL="0" indent="0">
+              <a:buNone/>
+            </a:pPr>
+            <a:r>
+              <a:rPr lang="es-ES" dirty="0"/>
+              <a:t>La sintaxis general de esta función es:</a:t>
+            </a:r>
+            <a:endParaRPr lang="es-ES" sz="2400" dirty="0"/>
+          </a:p>
+          <a:p>
+            <a:r>
+              <a:rPr lang="en-US" dirty="0"/>
+              <a:t>wordcloud2(data, size = 1, color = "random-light", </a:t>
+            </a:r>
+            <a:r>
+              <a:rPr lang="en-US" dirty="0" err="1"/>
+              <a:t>backgroundColor</a:t>
+            </a:r>
+            <a:r>
+              <a:rPr lang="en-US" dirty="0"/>
+              <a:t> = "white“, shape = “”, ) </a:t>
+            </a:r>
+          </a:p>
+          <a:p>
+            <a:pPr lvl="1"/>
+            <a:r>
+              <a:rPr lang="es-ES" dirty="0"/>
+              <a:t>data = es el archivo de datos de entrada.</a:t>
+            </a:r>
+          </a:p>
+          <a:p>
+            <a:pPr lvl="1"/>
+            <a:r>
+              <a:rPr lang="es-ES" dirty="0" err="1"/>
+              <a:t>size</a:t>
+            </a:r>
+            <a:r>
+              <a:rPr lang="es-ES" dirty="0"/>
+              <a:t> = el tamaño de las palabras que serán mostradas en la gráfico de la nube.</a:t>
+            </a:r>
+          </a:p>
+          <a:p>
+            <a:pPr lvl="1"/>
+            <a:r>
+              <a:rPr lang="es-ES" dirty="0"/>
+              <a:t>color = será el color de las palabras.</a:t>
+            </a:r>
+          </a:p>
+          <a:p>
+            <a:pPr lvl="1"/>
+            <a:r>
+              <a:rPr lang="es-ES" dirty="0" err="1"/>
+              <a:t>backgroundcolor</a:t>
+            </a:r>
+            <a:r>
+              <a:rPr lang="es-ES" dirty="0"/>
+              <a:t> = para ajustar el color de fonde del </a:t>
+            </a:r>
+            <a:r>
+              <a:rPr lang="es-ES" dirty="0" err="1"/>
+              <a:t>gŕafico</a:t>
+            </a:r>
+            <a:r>
+              <a:rPr lang="es-ES" dirty="0"/>
+              <a:t>.</a:t>
+            </a:r>
+          </a:p>
+          <a:p>
+            <a:pPr lvl="1"/>
+            <a:r>
+              <a:rPr lang="es-ES" dirty="0" err="1"/>
+              <a:t>shape</a:t>
+            </a:r>
+            <a:r>
+              <a:rPr lang="es-ES" dirty="0"/>
+              <a:t> = la forma que tendrá la nube de palabras (</a:t>
+            </a:r>
+            <a:r>
+              <a:rPr lang="es-ES" dirty="0" err="1"/>
+              <a:t>star</a:t>
+            </a:r>
+            <a:r>
+              <a:rPr lang="es-ES" dirty="0"/>
+              <a:t>, </a:t>
+            </a:r>
+            <a:r>
+              <a:rPr lang="es-ES" dirty="0" err="1"/>
+              <a:t>cardioid</a:t>
+            </a:r>
+            <a:r>
+              <a:rPr lang="es-ES" dirty="0"/>
+              <a:t>, </a:t>
+            </a:r>
+            <a:r>
+              <a:rPr lang="es-ES" dirty="0" err="1"/>
+              <a:t>circle</a:t>
+            </a:r>
+            <a:r>
+              <a:rPr lang="es-ES" dirty="0"/>
+              <a:t>, </a:t>
+            </a:r>
+            <a:r>
+              <a:rPr lang="es-ES" dirty="0" err="1"/>
+              <a:t>triangle</a:t>
+            </a:r>
+            <a:r>
+              <a:rPr lang="es-ES" dirty="0"/>
+              <a:t>, …).</a:t>
+            </a:r>
+          </a:p>
+          <a:p>
+            <a:pPr lvl="1"/>
+            <a:r>
+              <a:rPr lang="es-ES" dirty="0"/>
+              <a:t>min/</a:t>
+            </a:r>
+            <a:r>
+              <a:rPr lang="es-ES" dirty="0" err="1"/>
+              <a:t>max</a:t>
+            </a:r>
+            <a:r>
+              <a:rPr lang="es-ES" dirty="0"/>
+              <a:t> </a:t>
+            </a:r>
+            <a:r>
+              <a:rPr lang="es-ES" dirty="0" err="1"/>
+              <a:t>rotation</a:t>
+            </a:r>
+            <a:r>
+              <a:rPr lang="es-ES" dirty="0"/>
+              <a:t> = el ángulo de rotación de las palabras.</a:t>
+            </a:r>
+            <a:endParaRPr lang="es-CO" dirty="0"/>
+          </a:p>
+        </p:txBody>
+      </p:sp>
+    </p:spTree>
+    <p:extLst>
+      <p:ext uri="{BB962C8B-B14F-4D97-AF65-F5344CB8AC3E}">
+        <p14:creationId xmlns:p14="http://schemas.microsoft.com/office/powerpoint/2010/main" val="2799362463"/>
+      </p:ext>
+    </p:extLst>
+  </p:cSld>
+  <p:clrMapOvr>
+    <a:masterClrMapping/>
+  </p:clrMapOvr>
+</p:sld>
+</file>
+
+<file path=ppt/slides/slide15.xml><?xml version="1.0" encoding="utf-8"?>
+<p:sld xmlns:a="http://schemas.openxmlformats.org/drawingml/2006/main" xmlns:r="http://schemas.openxmlformats.org/officeDocument/2006/relationships" xmlns:p="http://schemas.openxmlformats.org/presentationml/2006/main">
+  <p:cSld>
+    <p:spTree>
+      <p:nvGrpSpPr>
+        <p:cNvPr id="1" name=""/>
+        <p:cNvGrpSpPr/>
+        <p:nvPr/>
+      </p:nvGrpSpPr>
+      <p:grpSpPr>
+        <a:xfrm>
+          <a:off x="0" y="0"/>
+          <a:ext cx="0" cy="0"/>
+          <a:chOff x="0" y="0"/>
+          <a:chExt cx="0" cy="0"/>
+        </a:xfrm>
+      </p:grpSpPr>
+      <p:sp>
+        <p:nvSpPr>
+          <p:cNvPr id="2" name="Título 1">
+            <a:extLst>
+              <a:ext uri="{FF2B5EF4-FFF2-40B4-BE49-F238E27FC236}">
+                <a16:creationId xmlns:a16="http://schemas.microsoft.com/office/drawing/2014/main" id="{B9CF4463-6B4A-1918-B052-D46890171155}"/>
+              </a:ext>
+            </a:extLst>
+          </p:cNvPr>
+          <p:cNvSpPr>
+            <a:spLocks noGrp="1"/>
+          </p:cNvSpPr>
+          <p:nvPr>
+            <p:ph type="title"/>
+          </p:nvPr>
+        </p:nvSpPr>
+        <p:spPr/>
+        <p:txBody>
+          <a:bodyPr/>
+          <a:lstStyle/>
+          <a:p>
+            <a:r>
+              <a:rPr lang="es-ES" b="0" i="0" dirty="0">
+                <a:effectLst/>
+                <a:latin typeface="Söhne"/>
+              </a:rPr>
+              <a:t>Conclusión</a:t>
+            </a:r>
+            <a:endParaRPr lang="es-CO" dirty="0"/>
+          </a:p>
+        </p:txBody>
+      </p:sp>
+      <p:sp>
+        <p:nvSpPr>
+          <p:cNvPr id="3" name="Marcador de contenido 2">
+            <a:extLst>
+              <a:ext uri="{FF2B5EF4-FFF2-40B4-BE49-F238E27FC236}">
+                <a16:creationId xmlns:a16="http://schemas.microsoft.com/office/drawing/2014/main" id="{D6788181-3351-DDC1-E23C-D74A31AB14BA}"/>
+              </a:ext>
+            </a:extLst>
+          </p:cNvPr>
+          <p:cNvSpPr>
+            <a:spLocks noGrp="1"/>
+          </p:cNvSpPr>
+          <p:nvPr>
+            <p:ph idx="1"/>
+          </p:nvPr>
+        </p:nvSpPr>
+        <p:spPr/>
+        <p:txBody>
+          <a:bodyPr/>
+          <a:lstStyle/>
+          <a:p>
+            <a:pPr marL="0" indent="0" algn="l">
+              <a:buNone/>
+            </a:pPr>
+            <a:r>
+              <a:rPr lang="es-ES" b="0" i="0" dirty="0">
+                <a:effectLst/>
+                <a:latin typeface="Söhne"/>
+              </a:rPr>
+              <a:t>Mediante este análisis textual y visual, hemos logrado identificar las frases clave y realizar un estudio detallado de una obra literaria. El uso de técnicas de procesamiento de texto y visualización de datos nos ha permitido comprender mejor la temática y el contenido de la obra, proporcionándonos una visión más completa y enriquecedora de la misma. Además, la representación gráfica de palabras clave nos ha brindado una forma más intuitiva de interpretar la información.</a:t>
+            </a:r>
+          </a:p>
+          <a:p>
+            <a:endParaRPr lang="es-CO" dirty="0"/>
+          </a:p>
+        </p:txBody>
+      </p:sp>
+    </p:spTree>
+    <p:extLst>
+      <p:ext uri="{BB962C8B-B14F-4D97-AF65-F5344CB8AC3E}">
+        <p14:creationId xmlns:p14="http://schemas.microsoft.com/office/powerpoint/2010/main" val="135726845"/>
+      </p:ext>
+    </p:extLst>
+  </p:cSld>
+  <p:clrMapOvr>
+    <a:masterClrMapping/>
+  </p:clrMapOvr>
+</p:sld>
+</file>
+
+<file path=ppt/slides/slide16.xml><?xml version="1.0" encoding="utf-8"?>
+<p:sld xmlns:a="http://schemas.openxmlformats.org/drawingml/2006/main" xmlns:r="http://schemas.openxmlformats.org/officeDocument/2006/relationships" xmlns:p="http://schemas.openxmlformats.org/presentationml/2006/main">
+  <p:cSld>
+    <p:spTree>
+      <p:nvGrpSpPr>
+        <p:cNvPr id="1" name=""/>
+        <p:cNvGrpSpPr/>
+        <p:nvPr/>
+      </p:nvGrpSpPr>
+      <p:grpSpPr>
+        <a:xfrm>
+          <a:off x="0" y="0"/>
+          <a:ext cx="0" cy="0"/>
+          <a:chOff x="0" y="0"/>
+          <a:chExt cx="0" cy="0"/>
+        </a:xfrm>
+      </p:grpSpPr>
+      <p:sp>
+        <p:nvSpPr>
+          <p:cNvPr id="2" name="Título 1">
+            <a:extLst>
+              <a:ext uri="{FF2B5EF4-FFF2-40B4-BE49-F238E27FC236}">
                 <a16:creationId xmlns:a16="http://schemas.microsoft.com/office/drawing/2014/main" id="{2937F4A4-8429-4E77-3E56-2D65B5E32485}"/>
               </a:ext>
             </a:extLst>
@@ -8128,7 +8931,11 @@
           <a:bodyPr/>
           <a:lstStyle/>
           <a:p>
-            <a:endParaRPr lang="es-CO"/>
+            <a:r>
+              <a:rPr lang="es-ES" dirty="0"/>
+              <a:t>Nos despedimos </a:t>
+            </a:r>
+            <a:endParaRPr lang="es-CO" dirty="0"/>
           </a:p>
         </p:txBody>
       </p:sp>
@@ -8179,7 +8986,7 @@
 </p:sld>
 </file>
 
-<file path=ppt/slides/slide12.xml><?xml version="1.0" encoding="utf-8"?>
+<file path=ppt/slides/slide17.xml><?xml version="1.0" encoding="utf-8"?>
 <p:sld xmlns:a="http://schemas.openxmlformats.org/drawingml/2006/main" xmlns:r="http://schemas.openxmlformats.org/officeDocument/2006/relationships" xmlns:p="http://schemas.openxmlformats.org/presentationml/2006/main">
   <p:cSld>
     <p:spTree>
@@ -8377,7 +9184,7 @@
               <a:rPr lang="es-ES" dirty="0">
                 <a:latin typeface="Trebuchet MS (Títulos)"/>
               </a:rPr>
-              <a:t>, la diferencia entre la victoria y la derrota a menudo radica en el conocimiento que poseemos. El saber es una espada afilada que puede cortar a través de la incertidumbre y la confusión, guiándonos hacia la gloria o la supervivencia</a:t>
+              <a:t>, la diferencia entre la victoria y la derrota a menudo radica en el conocimiento que poseemos.</a:t>
             </a:r>
           </a:p>
           <a:p>
@@ -8420,7 +9227,7 @@
           <p:cNvPr id="2" name="Título 1">
             <a:extLst>
               <a:ext uri="{FF2B5EF4-FFF2-40B4-BE49-F238E27FC236}">
-                <a16:creationId xmlns:a16="http://schemas.microsoft.com/office/drawing/2014/main" id="{B62330A1-FD1E-4F20-DACF-3AFD8FE85805}"/>
+                <a16:creationId xmlns:a16="http://schemas.microsoft.com/office/drawing/2014/main" id="{27BE47EE-2B90-799A-E1EE-50DF4606D8E6}"/>
               </a:ext>
             </a:extLst>
           </p:cNvPr>
@@ -8433,31 +9240,17 @@
         </p:nvSpPr>
         <p:spPr/>
         <p:txBody>
-          <a:bodyPr>
-            <a:normAutofit/>
-          </a:bodyPr>
+          <a:bodyPr/>
           <a:lstStyle/>
           <a:p>
-            <a:pPr marL="228600" indent="-228600">
-              <a:spcBef>
-                <a:spcPts val="1000"/>
-              </a:spcBef>
-              <a:buFont typeface="Arial" panose="020B0604020202020204" pitchFamily="34" charset="0"/>
-              <a:buChar char="•"/>
-            </a:pPr>
-            <a:r>
-              <a:rPr lang="es-MX" sz="2800" dirty="0">
-                <a:latin typeface="Trebuchet MS (Títulos)"/>
-                <a:ea typeface="+mn-ea"/>
-                <a:cs typeface="+mn-cs"/>
-              </a:rPr>
-              <a:t>La vida es una batalla</a:t>
-            </a:r>
-            <a:endParaRPr lang="es-CO" sz="2800" dirty="0">
-              <a:latin typeface="Trebuchet MS (Títulos)"/>
-              <a:ea typeface="+mn-ea"/>
-              <a:cs typeface="+mn-cs"/>
-            </a:endParaRPr>
+            <a:r>
+              <a:rPr lang="es-ES" b="0" i="0" dirty="0">
+                <a:effectLst/>
+                <a:latin typeface="Söhne"/>
+              </a:rPr>
+              <a:t>Introducción</a:t>
+            </a:r>
+            <a:endParaRPr lang="es-CO" dirty="0"/>
           </a:p>
         </p:txBody>
       </p:sp>
@@ -8466,7 +9259,7 @@
           <p:cNvPr id="3" name="Marcador de contenido 2">
             <a:extLst>
               <a:ext uri="{FF2B5EF4-FFF2-40B4-BE49-F238E27FC236}">
-                <a16:creationId xmlns:a16="http://schemas.microsoft.com/office/drawing/2014/main" id="{F3F7B452-6521-1B77-5284-834AF63F229B}"/>
+                <a16:creationId xmlns:a16="http://schemas.microsoft.com/office/drawing/2014/main" id="{BB3D7775-B28F-9DC2-15DB-1DBC330C8F87}"/>
               </a:ext>
             </a:extLst>
           </p:cNvPr>
@@ -8479,37 +9272,17 @@
         </p:nvSpPr>
         <p:spPr/>
         <p:txBody>
-          <a:bodyPr>
-            <a:normAutofit/>
-          </a:bodyPr>
+          <a:bodyPr/>
           <a:lstStyle/>
           <a:p>
             <a:pPr algn="l"/>
             <a:r>
-              <a:rPr lang="es-ES" dirty="0">
-                <a:latin typeface="Trebuchet MS (Títulos)"/>
-              </a:rPr>
-              <a:t>Imaginen que nuestra vida es como un campo de batalla, lleno de desafíos y obstáculos que debemos superar. En este "campo", el saber es nuestra arma secreta. Cuando enfrentamos problemas o decisiones difíciles, el conocimiento nos proporciona una guía valiosa.</a:t>
-            </a:r>
-          </a:p>
-          <a:p>
-            <a:pPr algn="l"/>
-            <a:r>
-              <a:rPr lang="es-ES" dirty="0">
-                <a:latin typeface="Trebuchet MS (Títulos)"/>
-              </a:rPr>
-              <a:t>Conocer a las personas que nos rodean, entender sus puntos de vista y emociones, nos ayuda a establecer conexiones más fuertes y a resolver conflictos. Al comprender sus fortalezas y debilidades, podemos formar equipos sólidos y apoyarnos mutuamente en momentos de necesidad.</a:t>
-            </a:r>
-          </a:p>
-          <a:p>
-            <a:pPr algn="l"/>
-            <a:endParaRPr lang="es-ES" b="0" i="0" dirty="0">
-              <a:effectLst/>
-              <a:latin typeface="Söhne"/>
-            </a:endParaRPr>
-          </a:p>
-          <a:p>
-            <a:endParaRPr lang="es-CO" dirty="0"/>
+              <a:rPr lang="es-ES" b="0" i="0" dirty="0">
+                <a:effectLst/>
+                <a:latin typeface="Söhne"/>
+              </a:rPr>
+              <a:t>En el presente trabajo, abordaremos el análisis de una obra literaria utilizando técnicas de procesamiento de texto y visualización de datos. Nuestro objetivo es identificar las frases clave y realizar un estudio detallado de las mismas para comprender mejor la temática y el contenido de la obra.</a:t>
+            </a:r>
           </a:p>
           <a:p>
             <a:endParaRPr lang="es-CO" dirty="0"/>
@@ -8519,7 +9292,7 @@
     </p:spTree>
     <p:extLst>
       <p:ext uri="{BB962C8B-B14F-4D97-AF65-F5344CB8AC3E}">
-        <p14:creationId xmlns:p14="http://schemas.microsoft.com/office/powerpoint/2010/main" val="2138356295"/>
+        <p14:creationId xmlns:p14="http://schemas.microsoft.com/office/powerpoint/2010/main" val="2631759476"/>
       </p:ext>
     </p:extLst>
   </p:cSld>
@@ -8551,7 +9324,7 @@
           <p:cNvPr id="2" name="Título 1">
             <a:extLst>
               <a:ext uri="{FF2B5EF4-FFF2-40B4-BE49-F238E27FC236}">
-                <a16:creationId xmlns:a16="http://schemas.microsoft.com/office/drawing/2014/main" id="{D778969E-AFAA-1D45-7AD9-D78D32FA8AEE}"/>
+                <a16:creationId xmlns:a16="http://schemas.microsoft.com/office/drawing/2014/main" id="{BE5C0C90-C9D0-94D7-AF55-710D46081966}"/>
               </a:ext>
             </a:extLst>
           </p:cNvPr>
@@ -8564,16 +9337,14 @@
         </p:nvSpPr>
         <p:spPr/>
         <p:txBody>
-          <a:bodyPr>
-            <a:normAutofit/>
-          </a:bodyPr>
+          <a:bodyPr/>
           <a:lstStyle/>
           <a:p>
             <a:r>
-              <a:rPr lang="es-MX" sz="2800" dirty="0"/>
-              <a:t>Palabra clave </a:t>
-            </a:r>
-            <a:endParaRPr lang="es-CO" sz="2800" dirty="0"/>
+              <a:rPr lang="es-ES" dirty="0"/>
+              <a:t>Resolución </a:t>
+            </a:r>
+            <a:endParaRPr lang="es-CO" dirty="0"/>
           </a:p>
         </p:txBody>
       </p:sp>
@@ -8582,7 +9353,7 @@
           <p:cNvPr id="3" name="Marcador de contenido 2">
             <a:extLst>
               <a:ext uri="{FF2B5EF4-FFF2-40B4-BE49-F238E27FC236}">
-                <a16:creationId xmlns:a16="http://schemas.microsoft.com/office/drawing/2014/main" id="{5440D358-AE7B-1376-9EBA-C8ED3DB43F6C}"/>
+                <a16:creationId xmlns:a16="http://schemas.microsoft.com/office/drawing/2014/main" id="{2B47B89A-1841-B840-88E8-724F546A8D43}"/>
               </a:ext>
             </a:extLst>
           </p:cNvPr>
@@ -8596,43 +9367,108 @@
         <p:spPr/>
         <p:txBody>
           <a:bodyPr>
-            <a:normAutofit/>
+            <a:normAutofit lnSpcReduction="10000"/>
           </a:bodyPr>
           <a:lstStyle/>
           <a:p>
+            <a:pPr algn="l"/>
             <a:r>
               <a:rPr lang="es-ES" b="0" i="0" dirty="0">
                 <a:effectLst/>
-                <a:latin typeface="Trebuchet MS (Títulos)"/>
-              </a:rPr>
-              <a:t>Conocer nuestras propias habilidades y limitaciones nos permite tomar decisiones más acertadas. Saber qué somos buenos nos da confianza para enfrentar nuevos desafíos, mientras que reconocer nuestras debilidades nos permite trabajar en ellas y mejorar.</a:t>
-            </a:r>
-            <a:endParaRPr lang="es-ES" dirty="0">
-              <a:latin typeface="Trebuchet MS (Títulos)"/>
-            </a:endParaRPr>
+                <a:latin typeface="Söhne"/>
+              </a:rPr>
+              <a:t>Paso 1: Obtención y preparación del texto</a:t>
+            </a:r>
           </a:p>
           <a:p>
             <a:pPr algn="l"/>
             <a:r>
               <a:rPr lang="es-ES" b="0" i="0" dirty="0">
                 <a:effectLst/>
-                <a:latin typeface="Trebuchet MS (Títulos)"/>
-              </a:rPr>
-              <a:t>El conocimiento del entorno en el que nos desenvolvemos también es esencial. Saber cómo funcionan las cosas, las reglas del juego y las oportunidades que se presentan nos da una ventaja para tomar decisiones inteligentes y aprovechar las situaciones a nuestro favor.</a:t>
-            </a:r>
-          </a:p>
-          <a:p>
-            <a:endParaRPr lang="es-ES" b="0" i="0" dirty="0">
-              <a:effectLst/>
-              <a:latin typeface="Söhne"/>
-            </a:endParaRPr>
+                <a:latin typeface="Söhne"/>
+              </a:rPr>
+              <a:t>Para iniciar nuestro análisis, escaneamos el archivo de la obra en formato </a:t>
+            </a:r>
+            <a:r>
+              <a:rPr lang="es-ES" b="0" i="0" dirty="0" err="1">
+                <a:effectLst/>
+                <a:latin typeface="Söhne"/>
+              </a:rPr>
+              <a:t>txt</a:t>
+            </a:r>
+            <a:r>
+              <a:rPr lang="es-ES" b="0" i="0" dirty="0">
+                <a:effectLst/>
+                <a:latin typeface="Söhne"/>
+              </a:rPr>
+              <a:t>. Utilizamos la función "</a:t>
+            </a:r>
+            <a:r>
+              <a:rPr lang="es-ES" b="0" i="0" dirty="0" err="1">
+                <a:effectLst/>
+                <a:latin typeface="Söhne"/>
+              </a:rPr>
+              <a:t>scan</a:t>
+            </a:r>
+            <a:r>
+              <a:rPr lang="es-ES" b="0" i="0" dirty="0">
+                <a:effectLst/>
+                <a:latin typeface="Söhne"/>
+              </a:rPr>
+              <a:t>" para leer el archivo y guardamos su contenido en la variable "</a:t>
+            </a:r>
+            <a:r>
+              <a:rPr lang="es-ES" b="0" i="0" dirty="0" err="1">
+                <a:effectLst/>
+                <a:latin typeface="Söhne"/>
+              </a:rPr>
+              <a:t>text.v</a:t>
+            </a:r>
+            <a:r>
+              <a:rPr lang="es-ES" b="0" i="0" dirty="0">
+                <a:effectLst/>
+                <a:latin typeface="Söhne"/>
+              </a:rPr>
+              <a:t>". Luego, identificamos la posición en la que comienza la obra y la posición en la que finaliza para extraer el contenido relevante y guardarlo en las variables "</a:t>
+            </a:r>
+            <a:r>
+              <a:rPr lang="es-ES" b="0" i="0" dirty="0" err="1">
+                <a:effectLst/>
+                <a:latin typeface="Söhne"/>
+              </a:rPr>
+              <a:t>start.v</a:t>
+            </a:r>
+            <a:r>
+              <a:rPr lang="es-ES" b="0" i="0" dirty="0">
+                <a:effectLst/>
+                <a:latin typeface="Söhne"/>
+              </a:rPr>
+              <a:t>" y "</a:t>
+            </a:r>
+            <a:r>
+              <a:rPr lang="es-ES" b="0" i="0" dirty="0" err="1">
+                <a:effectLst/>
+                <a:latin typeface="Söhne"/>
+              </a:rPr>
+              <a:t>end.v</a:t>
+            </a:r>
+            <a:r>
+              <a:rPr lang="es-ES" b="0" i="0" dirty="0">
+                <a:effectLst/>
+                <a:latin typeface="Söhne"/>
+              </a:rPr>
+              <a:t>", respectivamente.</a:t>
+            </a:r>
           </a:p>
           <a:p>
             <a:pPr algn="l"/>
-            <a:endParaRPr lang="es-ES" b="0" i="0" dirty="0">
-              <a:effectLst/>
-              <a:latin typeface="Söhne"/>
-            </a:endParaRPr>
+            <a:r>
+              <a:rPr lang="es-ES" b="0" i="0" dirty="0">
+                <a:effectLst/>
+                <a:latin typeface="Söhne"/>
+              </a:rPr>
+              <a:t>Además, guardamos el metadato del inicio y final de la obra, es decir, las líneas donde comienza el primer capítulo y finaliza el texto, respectivamente. Esta información nos será útil para una correcta segmentación del texto.</a:t>
+            </a:r>
           </a:p>
           <a:p>
             <a:endParaRPr lang="es-CO" dirty="0"/>
@@ -8642,7 +9478,7 @@
     </p:spTree>
     <p:extLst>
       <p:ext uri="{BB962C8B-B14F-4D97-AF65-F5344CB8AC3E}">
-        <p14:creationId xmlns:p14="http://schemas.microsoft.com/office/powerpoint/2010/main" val="782508922"/>
+        <p14:creationId xmlns:p14="http://schemas.microsoft.com/office/powerpoint/2010/main" val="2323608219"/>
       </p:ext>
     </p:extLst>
   </p:cSld>
@@ -8674,7 +9510,7 @@
           <p:cNvPr id="2" name="Título 1">
             <a:extLst>
               <a:ext uri="{FF2B5EF4-FFF2-40B4-BE49-F238E27FC236}">
-                <a16:creationId xmlns:a16="http://schemas.microsoft.com/office/drawing/2014/main" id="{9DD96EEA-FD12-4840-9623-1D382B3B1217}"/>
+                <a16:creationId xmlns:a16="http://schemas.microsoft.com/office/drawing/2014/main" id="{09802732-E19B-BA61-B191-750E61AE86AD}"/>
               </a:ext>
             </a:extLst>
           </p:cNvPr>
@@ -8683,6 +9519,35 @@
           </p:cNvSpPr>
           <p:nvPr>
             <p:ph type="title"/>
+          </p:nvPr>
+        </p:nvSpPr>
+        <p:spPr/>
+        <p:txBody>
+          <a:bodyPr/>
+          <a:lstStyle/>
+          <a:p>
+            <a:r>
+              <a:rPr lang="es-ES" dirty="0"/>
+              <a:t>Resolución</a:t>
+            </a:r>
+            <a:endParaRPr lang="es-CO" dirty="0"/>
+          </a:p>
+        </p:txBody>
+      </p:sp>
+      <p:sp>
+        <p:nvSpPr>
+          <p:cNvPr id="3" name="Marcador de contenido 2">
+            <a:extLst>
+              <a:ext uri="{FF2B5EF4-FFF2-40B4-BE49-F238E27FC236}">
+                <a16:creationId xmlns:a16="http://schemas.microsoft.com/office/drawing/2014/main" id="{2F0D9A47-2112-51F7-56DE-9EFDD674FF5D}"/>
+              </a:ext>
+            </a:extLst>
+          </p:cNvPr>
+          <p:cNvSpPr>
+            <a:spLocks noGrp="1"/>
+          </p:cNvSpPr>
+          <p:nvPr>
+            <p:ph idx="1"/>
           </p:nvPr>
         </p:nvSpPr>
         <p:spPr/>
@@ -8692,211 +9557,58 @@
           </a:bodyPr>
           <a:lstStyle/>
           <a:p>
-            <a:r>
-              <a:rPr lang="es-ES" sz="2800" dirty="0">
-                <a:latin typeface="Trebuchet MS (Títulos)"/>
-              </a:rPr>
-              <a:t>Librería </a:t>
-            </a:r>
-            <a:r>
-              <a:rPr lang="es-ES" sz="2800" b="0" i="0" dirty="0">
-                <a:effectLst/>
-                <a:latin typeface="Trebuchet MS (Títulos)"/>
-              </a:rPr>
-              <a:t>ggplot2</a:t>
-            </a:r>
-            <a:endParaRPr lang="es-CO" sz="2800" dirty="0">
-              <a:latin typeface="Trebuchet MS (Títulos)"/>
-            </a:endParaRPr>
-          </a:p>
-        </p:txBody>
-      </p:sp>
-      <p:sp>
-        <p:nvSpPr>
-          <p:cNvPr id="3" name="Marcador de contenido 2">
-            <a:extLst>
-              <a:ext uri="{FF2B5EF4-FFF2-40B4-BE49-F238E27FC236}">
-                <a16:creationId xmlns:a16="http://schemas.microsoft.com/office/drawing/2014/main" id="{E6D5669C-089E-8FFC-6554-7E1E2200D050}"/>
-              </a:ext>
-            </a:extLst>
-          </p:cNvPr>
-          <p:cNvSpPr>
-            <a:spLocks noGrp="1"/>
-          </p:cNvSpPr>
-          <p:nvPr>
-            <p:ph idx="1"/>
-          </p:nvPr>
-        </p:nvSpPr>
-        <p:spPr>
-          <a:xfrm>
-            <a:off x="680321" y="2336873"/>
-            <a:ext cx="9613861" cy="4156206"/>
-          </a:xfrm>
-        </p:spPr>
-        <p:txBody>
-          <a:bodyPr>
-            <a:normAutofit/>
-          </a:bodyPr>
-          <a:lstStyle/>
-          <a:p>
-            <a:pPr marL="0" indent="0">
-              <a:buNone/>
-            </a:pPr>
+            <a:pPr algn="l"/>
             <a:r>
               <a:rPr lang="es-ES" b="0" i="0" dirty="0">
                 <a:effectLst/>
-                <a:latin typeface="Trebuchet MS (Títulos)"/>
-              </a:rPr>
-              <a:t>ggplot2 es un sistema para crear gráficos declarativamente, basado en </a:t>
-            </a:r>
-            <a:r>
-              <a:rPr lang="es-ES" b="0" i="0" u="sng" dirty="0" err="1">
-                <a:effectLst/>
-                <a:latin typeface="Trebuchet MS (Títulos)"/>
-                <a:hlinkClick r:id="rId2">
-                  <a:extLst>
-                    <a:ext uri="{A12FA001-AC4F-418D-AE19-62706E023703}">
-                      <ahyp:hlinkClr xmlns:ahyp="http://schemas.microsoft.com/office/drawing/2018/hyperlinkcolor" val="tx"/>
-                    </a:ext>
-                  </a:extLst>
-                </a:hlinkClick>
-              </a:rPr>
-              <a:t>The</a:t>
-            </a:r>
-            <a:r>
-              <a:rPr lang="es-ES" b="0" i="0" u="sng" dirty="0">
-                <a:effectLst/>
-                <a:latin typeface="Trebuchet MS (Títulos)"/>
-                <a:hlinkClick r:id="rId2">
-                  <a:extLst>
-                    <a:ext uri="{A12FA001-AC4F-418D-AE19-62706E023703}">
-                      <ahyp:hlinkClr xmlns:ahyp="http://schemas.microsoft.com/office/drawing/2018/hyperlinkcolor" val="tx"/>
-                    </a:ext>
-                  </a:extLst>
-                </a:hlinkClick>
-              </a:rPr>
-              <a:t> </a:t>
-            </a:r>
-            <a:r>
-              <a:rPr lang="es-ES" b="0" i="0" u="sng" dirty="0" err="1">
-                <a:effectLst/>
-                <a:latin typeface="Trebuchet MS (Títulos)"/>
-                <a:hlinkClick r:id="rId2">
-                  <a:extLst>
-                    <a:ext uri="{A12FA001-AC4F-418D-AE19-62706E023703}">
-                      <ahyp:hlinkClr xmlns:ahyp="http://schemas.microsoft.com/office/drawing/2018/hyperlinkcolor" val="tx"/>
-                    </a:ext>
-                  </a:extLst>
-                </a:hlinkClick>
-              </a:rPr>
-              <a:t>Grammar</a:t>
-            </a:r>
-            <a:r>
-              <a:rPr lang="es-ES" b="0" i="0" u="sng" dirty="0">
-                <a:effectLst/>
-                <a:latin typeface="Trebuchet MS (Títulos)"/>
-                <a:hlinkClick r:id="rId2">
-                  <a:extLst>
-                    <a:ext uri="{A12FA001-AC4F-418D-AE19-62706E023703}">
-                      <ahyp:hlinkClr xmlns:ahyp="http://schemas.microsoft.com/office/drawing/2018/hyperlinkcolor" val="tx"/>
-                    </a:ext>
-                  </a:extLst>
-                </a:hlinkClick>
-              </a:rPr>
-              <a:t> </a:t>
-            </a:r>
-            <a:r>
-              <a:rPr lang="es-ES" b="0" i="0" u="sng" dirty="0" err="1">
-                <a:effectLst/>
-                <a:latin typeface="Trebuchet MS (Títulos)"/>
-                <a:hlinkClick r:id="rId2">
-                  <a:extLst>
-                    <a:ext uri="{A12FA001-AC4F-418D-AE19-62706E023703}">
-                      <ahyp:hlinkClr xmlns:ahyp="http://schemas.microsoft.com/office/drawing/2018/hyperlinkcolor" val="tx"/>
-                    </a:ext>
-                  </a:extLst>
-                </a:hlinkClick>
-              </a:rPr>
-              <a:t>of</a:t>
-            </a:r>
-            <a:r>
-              <a:rPr lang="es-ES" b="0" i="0" u="sng" dirty="0">
-                <a:effectLst/>
-                <a:latin typeface="Trebuchet MS (Títulos)"/>
-                <a:hlinkClick r:id="rId2">
-                  <a:extLst>
-                    <a:ext uri="{A12FA001-AC4F-418D-AE19-62706E023703}">
-                      <ahyp:hlinkClr xmlns:ahyp="http://schemas.microsoft.com/office/drawing/2018/hyperlinkcolor" val="tx"/>
-                    </a:ext>
-                  </a:extLst>
-                </a:hlinkClick>
-              </a:rPr>
-              <a:t> </a:t>
-            </a:r>
-            <a:r>
-              <a:rPr lang="es-ES" b="0" i="0" u="sng" dirty="0" err="1">
-                <a:effectLst/>
-                <a:latin typeface="Trebuchet MS (Títulos)"/>
-                <a:hlinkClick r:id="rId2">
-                  <a:extLst>
-                    <a:ext uri="{A12FA001-AC4F-418D-AE19-62706E023703}">
-                      <ahyp:hlinkClr xmlns:ahyp="http://schemas.microsoft.com/office/drawing/2018/hyperlinkcolor" val="tx"/>
-                    </a:ext>
-                  </a:extLst>
-                </a:hlinkClick>
-              </a:rPr>
-              <a:t>Graphics</a:t>
-            </a:r>
+                <a:latin typeface="Söhne"/>
+              </a:rPr>
+              <a:t>Paso 2: Segmentación y procesamiento del texto</a:t>
+            </a:r>
+          </a:p>
+          <a:p>
+            <a:pPr algn="l"/>
             <a:r>
               <a:rPr lang="es-ES" b="0" i="0" dirty="0">
                 <a:effectLst/>
-                <a:latin typeface="Trebuchet MS (Títulos)"/>
-              </a:rPr>
-              <a:t> . Usted proporciona los datos, le dice a ggplot2 cómo asignar variables a la estética, qué primitivas gráficas usar y se ocupa de los detalles.</a:t>
-            </a:r>
-          </a:p>
-          <a:p>
-            <a:pPr marL="0" indent="0">
-              <a:buNone/>
-            </a:pPr>
-            <a:endParaRPr lang="es-ES" dirty="0">
-              <a:latin typeface="Trebuchet MS (Títulos)"/>
-            </a:endParaRPr>
-          </a:p>
-          <a:p>
-            <a:pPr marL="0" indent="0">
-              <a:buNone/>
-            </a:pPr>
+                <a:latin typeface="Söhne"/>
+              </a:rPr>
+              <a:t>Con el contenido relevante en una sola línea, convertimos el texto completo a minúsculas para homogeneizar las palabras y facilitar su identificación. Luego, realizamos un salto de línea cada vez que encontramos un punto (.) para dividir el texto en frases, lo que nos permitirá analizarlas de forma individual.</a:t>
+            </a:r>
+          </a:p>
+          <a:p>
+            <a:pPr algn="l"/>
             <a:r>
               <a:rPr lang="es-ES" b="0" i="0" dirty="0">
                 <a:effectLst/>
-                <a:latin typeface="Trebuchet MS (Títulos)"/>
-              </a:rPr>
-              <a:t> librería ggplot2:</a:t>
-            </a:r>
-          </a:p>
-          <a:p>
+                <a:latin typeface="Söhne"/>
+              </a:rPr>
+              <a:t>Luego </a:t>
+            </a:r>
             <a:r>
               <a:rPr lang="es-ES" b="0" i="0" dirty="0" err="1">
                 <a:effectLst/>
-                <a:latin typeface="Trebuchet MS (Títulos)"/>
-              </a:rPr>
-              <a:t>instalar.paquetes</a:t>
+                <a:latin typeface="Söhne"/>
+              </a:rPr>
+              <a:t>impriminos</a:t>
             </a:r>
             <a:r>
               <a:rPr lang="es-ES" b="0" i="0" dirty="0">
                 <a:effectLst/>
-                <a:latin typeface="Trebuchet MS (Títulos)"/>
-              </a:rPr>
-              <a:t>("ggplot2")</a:t>
-            </a:r>
+                <a:latin typeface="Söhne"/>
+              </a:rPr>
+              <a:t> cada frase capturada entre los saltos de línea que contenga la palabra "conocer"</a:t>
+            </a:r>
+          </a:p>
+          <a:p>
+            <a:endParaRPr lang="es-CO" dirty="0"/>
           </a:p>
         </p:txBody>
       </p:sp>
     </p:spTree>
     <p:extLst>
       <p:ext uri="{BB962C8B-B14F-4D97-AF65-F5344CB8AC3E}">
-        <p14:creationId xmlns:p14="http://schemas.microsoft.com/office/powerpoint/2010/main" val="3556703902"/>
+        <p14:creationId xmlns:p14="http://schemas.microsoft.com/office/powerpoint/2010/main" val="2933125568"/>
       </p:ext>
     </p:extLst>
   </p:cSld>
@@ -8928,7 +9640,7 @@
           <p:cNvPr id="2" name="Título 1">
             <a:extLst>
               <a:ext uri="{FF2B5EF4-FFF2-40B4-BE49-F238E27FC236}">
-                <a16:creationId xmlns:a16="http://schemas.microsoft.com/office/drawing/2014/main" id="{D78D24A6-82F6-B69C-DBE8-E34AD5BC5FD6}"/>
+                <a16:creationId xmlns:a16="http://schemas.microsoft.com/office/drawing/2014/main" id="{CC99A662-B0E6-9CE7-7478-4C052501596A}"/>
               </a:ext>
             </a:extLst>
           </p:cNvPr>
@@ -8945,8 +9657,8 @@
           <a:lstStyle/>
           <a:p>
             <a:r>
-              <a:rPr lang="es-MX" sz="2800" dirty="0"/>
-              <a:t>Sintaxis</a:t>
+              <a:rPr lang="es-ES" dirty="0"/>
+              <a:t>Resolución</a:t>
             </a:r>
             <a:endParaRPr lang="es-CO" dirty="0"/>
           </a:p>
@@ -8957,7 +9669,7 @@
           <p:cNvPr id="3" name="Marcador de contenido 2">
             <a:extLst>
               <a:ext uri="{FF2B5EF4-FFF2-40B4-BE49-F238E27FC236}">
-                <a16:creationId xmlns:a16="http://schemas.microsoft.com/office/drawing/2014/main" id="{4C5CB410-5020-313C-2271-B98893D6CD0B}"/>
+                <a16:creationId xmlns:a16="http://schemas.microsoft.com/office/drawing/2014/main" id="{33510DAD-E102-BE18-A4EF-56E353A3C003}"/>
               </a:ext>
             </a:extLst>
           </p:cNvPr>
@@ -8971,201 +9683,47 @@
         <p:spPr/>
         <p:txBody>
           <a:bodyPr>
-            <a:noAutofit/>
+            <a:normAutofit/>
           </a:bodyPr>
           <a:lstStyle/>
           <a:p>
-            <a:r>
-              <a:rPr lang="es-ES" dirty="0">
-                <a:latin typeface="Trebuchet MS (Títulos)"/>
-              </a:rPr>
-              <a:t>Es difícil describir sucintamente cómo funciona ggplot2 porque encarna una profunda filosofía de visualización. Sin embargo, en la mayoría de los casos, comienza con:</a:t>
-            </a:r>
-          </a:p>
-          <a:p>
-            <a:r>
-              <a:rPr lang="es-ES" dirty="0" err="1">
-                <a:latin typeface="Trebuchet MS (Títulos)"/>
-              </a:rPr>
-              <a:t>ggplot</a:t>
-            </a:r>
-            <a:r>
-              <a:rPr lang="es-ES" dirty="0">
-                <a:latin typeface="Trebuchet MS (Títulos)"/>
-              </a:rPr>
-              <a:t>(</a:t>
-            </a:r>
-            <a:r>
-              <a:rPr lang="es-ES" dirty="0" err="1">
-                <a:latin typeface="Trebuchet MS (Títulos)"/>
-              </a:rPr>
-              <a:t>datos_grafico</a:t>
-            </a:r>
-            <a:r>
-              <a:rPr lang="es-ES" dirty="0">
-                <a:latin typeface="Trebuchet MS (Títulos)"/>
-              </a:rPr>
-              <a:t>, </a:t>
-            </a:r>
-          </a:p>
-          <a:p>
-            <a:r>
-              <a:rPr lang="es-ES" dirty="0">
-                <a:latin typeface="Trebuchet MS (Títulos)"/>
-              </a:rPr>
-              <a:t>aes(x = Palabra, y = Numero, </a:t>
-            </a:r>
-            <a:r>
-              <a:rPr lang="es-ES" dirty="0" err="1">
-                <a:latin typeface="Trebuchet MS (Títulos)"/>
-              </a:rPr>
-              <a:t>fill</a:t>
-            </a:r>
-            <a:r>
-              <a:rPr lang="es-ES" dirty="0">
-                <a:latin typeface="Trebuchet MS (Títulos)"/>
-              </a:rPr>
-              <a:t> = Palabra)) + </a:t>
-            </a:r>
-          </a:p>
-          <a:p>
-            <a:r>
-              <a:rPr lang="es-ES" dirty="0" err="1">
-                <a:latin typeface="Trebuchet MS (Títulos)"/>
-              </a:rPr>
-              <a:t>geom_bar</a:t>
-            </a:r>
-            <a:r>
-              <a:rPr lang="es-ES" dirty="0">
-                <a:latin typeface="Trebuchet MS (Títulos)"/>
-              </a:rPr>
-              <a:t>(</a:t>
-            </a:r>
-            <a:r>
-              <a:rPr lang="es-ES" dirty="0" err="1">
-                <a:latin typeface="Trebuchet MS (Títulos)"/>
-              </a:rPr>
-              <a:t>stat</a:t>
-            </a:r>
-            <a:r>
-              <a:rPr lang="es-ES" dirty="0">
-                <a:latin typeface="Trebuchet MS (Títulos)"/>
-              </a:rPr>
-              <a:t> = "</a:t>
-            </a:r>
-            <a:r>
-              <a:rPr lang="es-ES" dirty="0" err="1">
-                <a:latin typeface="Trebuchet MS (Títulos)"/>
-              </a:rPr>
-              <a:t>identity</a:t>
-            </a:r>
-            <a:r>
-              <a:rPr lang="es-ES" dirty="0">
-                <a:latin typeface="Trebuchet MS (Títulos)"/>
-              </a:rPr>
-              <a:t>", color = "</a:t>
-            </a:r>
-            <a:r>
-              <a:rPr lang="es-ES" dirty="0" err="1">
-                <a:latin typeface="Trebuchet MS (Títulos)"/>
-              </a:rPr>
-              <a:t>black</a:t>
-            </a:r>
-            <a:r>
-              <a:rPr lang="es-ES" dirty="0">
-                <a:latin typeface="Trebuchet MS (Títulos)"/>
-              </a:rPr>
-              <a:t>") +  </a:t>
-            </a:r>
-          </a:p>
-          <a:p>
-            <a:r>
-              <a:rPr lang="es-ES" dirty="0" err="1">
-                <a:latin typeface="Trebuchet MS (Títulos)"/>
-              </a:rPr>
-              <a:t>labs</a:t>
-            </a:r>
-            <a:r>
-              <a:rPr lang="es-ES" dirty="0">
-                <a:latin typeface="Trebuchet MS (Títulos)"/>
-              </a:rPr>
-              <a:t>(x = NULL, y = "Número de frases", </a:t>
-            </a:r>
-            <a:r>
-              <a:rPr lang="es-ES" dirty="0" err="1">
-                <a:latin typeface="Trebuchet MS (Títulos)"/>
-              </a:rPr>
-              <a:t>title</a:t>
-            </a:r>
-            <a:r>
-              <a:rPr lang="es-ES" dirty="0">
-                <a:latin typeface="Trebuchet MS (Títulos)"/>
-              </a:rPr>
-              <a:t> = "Frases que contienen palabras clave") + </a:t>
-            </a:r>
-          </a:p>
-          <a:p>
-            <a:r>
-              <a:rPr lang="es-ES" dirty="0">
-                <a:latin typeface="Trebuchet MS (Títulos)"/>
-              </a:rPr>
-              <a:t> </a:t>
-            </a:r>
-            <a:r>
-              <a:rPr lang="es-ES" dirty="0" err="1">
-                <a:latin typeface="Trebuchet MS (Títulos)"/>
-              </a:rPr>
-              <a:t>theme</a:t>
-            </a:r>
-            <a:r>
-              <a:rPr lang="es-ES" dirty="0">
-                <a:latin typeface="Trebuchet MS (Títulos)"/>
-              </a:rPr>
-              <a:t>(</a:t>
-            </a:r>
-            <a:r>
-              <a:rPr lang="es-ES" dirty="0" err="1">
-                <a:latin typeface="Trebuchet MS (Títulos)"/>
-              </a:rPr>
-              <a:t>axis.text.x</a:t>
-            </a:r>
-            <a:r>
-              <a:rPr lang="es-ES" dirty="0">
-                <a:latin typeface="Trebuchet MS (Títulos)"/>
-              </a:rPr>
-              <a:t> = </a:t>
-            </a:r>
-            <a:r>
-              <a:rPr lang="es-ES" dirty="0" err="1">
-                <a:latin typeface="Trebuchet MS (Títulos)"/>
-              </a:rPr>
-              <a:t>element_text</a:t>
-            </a:r>
-            <a:r>
-              <a:rPr lang="es-ES" dirty="0">
-                <a:latin typeface="Trebuchet MS (Títulos)"/>
-              </a:rPr>
-              <a:t>(angle = 45, </a:t>
-            </a:r>
-            <a:r>
-              <a:rPr lang="es-ES" dirty="0" err="1">
-                <a:latin typeface="Trebuchet MS (Títulos)"/>
-              </a:rPr>
-              <a:t>hjust</a:t>
-            </a:r>
-            <a:r>
-              <a:rPr lang="es-ES" dirty="0">
-                <a:latin typeface="Trebuchet MS (Títulos)"/>
-              </a:rPr>
-              <a:t> = 1))</a:t>
-            </a:r>
+            <a:pPr algn="l"/>
+            <a:r>
+              <a:rPr lang="es-ES" b="0" i="0" dirty="0">
+                <a:effectLst/>
+                <a:latin typeface="Söhne"/>
+              </a:rPr>
+              <a:t>Paso 3: Visualización de datos</a:t>
+            </a:r>
+          </a:p>
+          <a:p>
+            <a:r>
+              <a:rPr lang="es-ES" b="0" i="0" dirty="0">
+                <a:effectLst/>
+                <a:latin typeface="Söhne"/>
+              </a:rPr>
+              <a:t>Además, creamos una tabla de capítulos, indicando su posición y la línea donde comienzan, lo que nos dará una visión general de la estructura de la obra.</a:t>
+            </a:r>
+          </a:p>
+          <a:p>
+            <a:pPr algn="l"/>
+            <a:r>
+              <a:rPr lang="es-ES" b="0" i="0" dirty="0">
+                <a:effectLst/>
+                <a:latin typeface="Söhne"/>
+              </a:rPr>
+              <a:t>En este punto, exploramos la creación de diagramas de barras para representar información relevante sobre palabras clave que podrían estar presentes en el texto. Para realizar esta tarea, utilizaremos las librerías ggplot2 y wordcloud2, que nos permitirán visualizar de manera efectiva y atractiva las palabras más relevantes del texto.</a:t>
+            </a:r>
+          </a:p>
+          <a:p>
+            <a:endParaRPr lang="es-CO" dirty="0"/>
           </a:p>
         </p:txBody>
       </p:sp>
     </p:spTree>
     <p:extLst>
       <p:ext uri="{BB962C8B-B14F-4D97-AF65-F5344CB8AC3E}">
-        <p14:creationId xmlns:p14="http://schemas.microsoft.com/office/powerpoint/2010/main" val="4108334512"/>
+        <p14:creationId xmlns:p14="http://schemas.microsoft.com/office/powerpoint/2010/main" val="1665494244"/>
       </p:ext>
     </p:extLst>
   </p:cSld>
@@ -9197,7 +9755,7 @@
           <p:cNvPr id="2" name="Título 1">
             <a:extLst>
               <a:ext uri="{FF2B5EF4-FFF2-40B4-BE49-F238E27FC236}">
-                <a16:creationId xmlns:a16="http://schemas.microsoft.com/office/drawing/2014/main" id="{C9138EC7-7308-4EB9-9D5A-7C3F95ED1BF3}"/>
+                <a16:creationId xmlns:a16="http://schemas.microsoft.com/office/drawing/2014/main" id="{9DD96EEA-FD12-4840-9623-1D382B3B1217}"/>
               </a:ext>
             </a:extLst>
           </p:cNvPr>
@@ -9210,14 +9768,27 @@
         </p:nvSpPr>
         <p:spPr/>
         <p:txBody>
-          <a:bodyPr/>
+          <a:bodyPr>
+            <a:normAutofit/>
+          </a:bodyPr>
           <a:lstStyle/>
           <a:p>
             <a:r>
-              <a:rPr lang="es-MX" sz="2800" dirty="0"/>
-              <a:t>Sintaxis</a:t>
-            </a:r>
-            <a:endParaRPr lang="es-CO" dirty="0"/>
+              <a:rPr lang="es-ES" sz="2800" dirty="0">
+                <a:latin typeface="Trebuchet MS (Títulos)"/>
+              </a:rPr>
+              <a:t>Librería </a:t>
+            </a:r>
+            <a:r>
+              <a:rPr lang="es-ES" sz="2800" b="0" i="0" dirty="0">
+                <a:effectLst/>
+                <a:latin typeface="Trebuchet MS (Títulos)"/>
+              </a:rPr>
+              <a:t>ggplot2</a:t>
+            </a:r>
+            <a:endParaRPr lang="es-CO" sz="2800" dirty="0">
+              <a:latin typeface="Trebuchet MS (Títulos)"/>
+            </a:endParaRPr>
           </a:p>
         </p:txBody>
       </p:sp>
@@ -9226,7 +9797,7 @@
           <p:cNvPr id="3" name="Marcador de contenido 2">
             <a:extLst>
               <a:ext uri="{FF2B5EF4-FFF2-40B4-BE49-F238E27FC236}">
-                <a16:creationId xmlns:a16="http://schemas.microsoft.com/office/drawing/2014/main" id="{0D5A222B-9DB1-4493-B234-00939271FEC1}"/>
+                <a16:creationId xmlns:a16="http://schemas.microsoft.com/office/drawing/2014/main" id="{E6D5669C-089E-8FFC-6554-7E1E2200D050}"/>
               </a:ext>
             </a:extLst>
           </p:cNvPr>
@@ -9237,173 +9808,176 @@
             <p:ph idx="1"/>
           </p:nvPr>
         </p:nvSpPr>
-        <p:spPr/>
+        <p:spPr>
+          <a:xfrm>
+            <a:off x="680321" y="2336873"/>
+            <a:ext cx="9613861" cy="4156206"/>
+          </a:xfrm>
+        </p:spPr>
         <p:txBody>
           <a:bodyPr>
-            <a:normAutofit fontScale="40000" lnSpcReduction="20000"/>
+            <a:normAutofit/>
           </a:bodyPr>
           <a:lstStyle/>
           <a:p>
-            <a:r>
-              <a:rPr lang="es-ES" sz="4400" dirty="0">
+            <a:pPr marL="0" indent="0">
+              <a:buNone/>
+            </a:pPr>
+            <a:r>
+              <a:rPr lang="es-ES" b="0" i="0" dirty="0">
+                <a:effectLst/>
                 <a:latin typeface="Trebuchet MS (Títulos)"/>
               </a:rPr>
-              <a:t>El código utiliza la librería </a:t>
-            </a:r>
-            <a:r>
-              <a:rPr lang="es-ES" sz="4400" b="1" dirty="0">
+              <a:t>ggplot2 es un sistema para crear gráficos declarativamente, basado en </a:t>
+            </a:r>
+            <a:r>
+              <a:rPr lang="es-ES" b="0" i="0" u="sng" dirty="0" err="1">
+                <a:effectLst/>
                 <a:latin typeface="Trebuchet MS (Títulos)"/>
-              </a:rPr>
-              <a:t>ggplot2</a:t>
-            </a:r>
-            <a:r>
-              <a:rPr lang="es-ES" sz="4400" dirty="0">
+                <a:hlinkClick r:id="rId2">
+                  <a:extLst>
+                    <a:ext uri="{A12FA001-AC4F-418D-AE19-62706E023703}">
+                      <ahyp:hlinkClr xmlns:ahyp="http://schemas.microsoft.com/office/drawing/2018/hyperlinkcolor" val="tx"/>
+                    </a:ext>
+                  </a:extLst>
+                </a:hlinkClick>
+              </a:rPr>
+              <a:t>The</a:t>
+            </a:r>
+            <a:r>
+              <a:rPr lang="es-ES" b="0" i="0" u="sng" dirty="0">
+                <a:effectLst/>
                 <a:latin typeface="Trebuchet MS (Títulos)"/>
-              </a:rPr>
-              <a:t> en R para crear un gráfico de barras a partir de los datos proporcionados en el objeto </a:t>
-            </a:r>
-            <a:r>
-              <a:rPr lang="es-ES" sz="4400" dirty="0" err="1">
+                <a:hlinkClick r:id="rId2">
+                  <a:extLst>
+                    <a:ext uri="{A12FA001-AC4F-418D-AE19-62706E023703}">
+                      <ahyp:hlinkClr xmlns:ahyp="http://schemas.microsoft.com/office/drawing/2018/hyperlinkcolor" val="tx"/>
+                    </a:ext>
+                  </a:extLst>
+                </a:hlinkClick>
+              </a:rPr>
+              <a:t> </a:t>
+            </a:r>
+            <a:r>
+              <a:rPr lang="es-ES" b="0" i="0" u="sng" dirty="0" err="1">
+                <a:effectLst/>
                 <a:latin typeface="Trebuchet MS (Títulos)"/>
-              </a:rPr>
-              <a:t>datos_grafico</a:t>
-            </a:r>
-            <a:r>
-              <a:rPr lang="es-ES" sz="4400" dirty="0">
+                <a:hlinkClick r:id="rId2">
+                  <a:extLst>
+                    <a:ext uri="{A12FA001-AC4F-418D-AE19-62706E023703}">
+                      <ahyp:hlinkClr xmlns:ahyp="http://schemas.microsoft.com/office/drawing/2018/hyperlinkcolor" val="tx"/>
+                    </a:ext>
+                  </a:extLst>
+                </a:hlinkClick>
+              </a:rPr>
+              <a:t>Grammar</a:t>
+            </a:r>
+            <a:r>
+              <a:rPr lang="es-ES" b="0" i="0" u="sng" dirty="0">
+                <a:effectLst/>
                 <a:latin typeface="Trebuchet MS (Títulos)"/>
-              </a:rPr>
-              <a:t>. Se asigna la columna "Palabra" al eje x y la columna "Numero" al eje y. Además, se utiliza la columna "Palabra" para definir el color de las barras.</a:t>
-            </a:r>
-          </a:p>
-          <a:p>
-            <a:r>
-              <a:rPr lang="es-ES" sz="4400" dirty="0">
+                <a:hlinkClick r:id="rId2">
+                  <a:extLst>
+                    <a:ext uri="{A12FA001-AC4F-418D-AE19-62706E023703}">
+                      <ahyp:hlinkClr xmlns:ahyp="http://schemas.microsoft.com/office/drawing/2018/hyperlinkcolor" val="tx"/>
+                    </a:ext>
+                  </a:extLst>
+                </a:hlinkClick>
+              </a:rPr>
+              <a:t> </a:t>
+            </a:r>
+            <a:r>
+              <a:rPr lang="es-ES" b="0" i="0" u="sng" dirty="0" err="1">
+                <a:effectLst/>
                 <a:latin typeface="Trebuchet MS (Títulos)"/>
-              </a:rPr>
-              <a:t>Se agrega una capa al gráfico utilizando </a:t>
-            </a:r>
-            <a:r>
-              <a:rPr lang="es-ES" sz="4400" b="1" dirty="0" err="1">
+                <a:hlinkClick r:id="rId2">
+                  <a:extLst>
+                    <a:ext uri="{A12FA001-AC4F-418D-AE19-62706E023703}">
+                      <ahyp:hlinkClr xmlns:ahyp="http://schemas.microsoft.com/office/drawing/2018/hyperlinkcolor" val="tx"/>
+                    </a:ext>
+                  </a:extLst>
+                </a:hlinkClick>
+              </a:rPr>
+              <a:t>of</a:t>
+            </a:r>
+            <a:r>
+              <a:rPr lang="es-ES" b="0" i="0" u="sng" dirty="0">
+                <a:effectLst/>
                 <a:latin typeface="Trebuchet MS (Títulos)"/>
-              </a:rPr>
-              <a:t>geom_bar</a:t>
-            </a:r>
-            <a:r>
-              <a:rPr lang="es-ES" sz="4400" dirty="0">
+                <a:hlinkClick r:id="rId2">
+                  <a:extLst>
+                    <a:ext uri="{A12FA001-AC4F-418D-AE19-62706E023703}">
+                      <ahyp:hlinkClr xmlns:ahyp="http://schemas.microsoft.com/office/drawing/2018/hyperlinkcolor" val="tx"/>
+                    </a:ext>
+                  </a:extLst>
+                </a:hlinkClick>
+              </a:rPr>
+              <a:t> </a:t>
+            </a:r>
+            <a:r>
+              <a:rPr lang="es-ES" b="0" i="0" u="sng" dirty="0" err="1">
+                <a:effectLst/>
                 <a:latin typeface="Trebuchet MS (Títulos)"/>
-              </a:rPr>
-              <a:t>, lo que crea un gráfico de barras. El argumento </a:t>
-            </a:r>
-            <a:r>
-              <a:rPr lang="es-ES" sz="4400" dirty="0" err="1">
+                <a:hlinkClick r:id="rId2">
+                  <a:extLst>
+                    <a:ext uri="{A12FA001-AC4F-418D-AE19-62706E023703}">
+                      <ahyp:hlinkClr xmlns:ahyp="http://schemas.microsoft.com/office/drawing/2018/hyperlinkcolor" val="tx"/>
+                    </a:ext>
+                  </a:extLst>
+                </a:hlinkClick>
+              </a:rPr>
+              <a:t>Graphics</a:t>
+            </a:r>
+            <a:r>
+              <a:rPr lang="es-ES" b="0" i="0" dirty="0">
+                <a:effectLst/>
                 <a:latin typeface="Trebuchet MS (Títulos)"/>
               </a:rPr>
-              <a:t>stat</a:t>
-            </a:r>
-            <a:r>
-              <a:rPr lang="es-ES" sz="4400" dirty="0">
+              <a:t> . Usted proporciona los datos, le dice a ggplot2 cómo asignar variables a la estética, qué primitivas gráficas usar y se ocupa de los detalles.</a:t>
+            </a:r>
+          </a:p>
+          <a:p>
+            <a:pPr marL="0" indent="0">
+              <a:buNone/>
+            </a:pPr>
+            <a:endParaRPr lang="es-ES" dirty="0">
+              <a:latin typeface="Trebuchet MS (Títulos)"/>
+            </a:endParaRPr>
+          </a:p>
+          <a:p>
+            <a:pPr marL="0" indent="0">
+              <a:buNone/>
+            </a:pPr>
+            <a:r>
+              <a:rPr lang="es-ES" b="0" i="0" dirty="0">
+                <a:effectLst/>
                 <a:latin typeface="Trebuchet MS (Títulos)"/>
               </a:rPr>
-              <a:t> = "</a:t>
-            </a:r>
-            <a:r>
-              <a:rPr lang="es-ES" sz="4400" dirty="0" err="1">
+              <a:t> librería ggplot2:</a:t>
+            </a:r>
+          </a:p>
+          <a:p>
+            <a:r>
+              <a:rPr lang="es-ES" b="0" i="0" dirty="0" err="1">
+                <a:effectLst/>
                 <a:latin typeface="Trebuchet MS (Títulos)"/>
               </a:rPr>
-              <a:t>identity</a:t>
-            </a:r>
-            <a:r>
-              <a:rPr lang="es-ES" sz="4400" dirty="0">
+              <a:t>instalar.paquetes</a:t>
+            </a:r>
+            <a:r>
+              <a:rPr lang="es-ES" b="0" i="0" dirty="0">
+                <a:effectLst/>
                 <a:latin typeface="Trebuchet MS (Títulos)"/>
               </a:rPr>
-              <a:t>" indica que las alturas de las barras se toman directamente de los datos proporcionados en "Numero", en lugar de calcular frecuencias. El argumento color = "</a:t>
-            </a:r>
-            <a:r>
-              <a:rPr lang="es-ES" sz="4400" dirty="0" err="1">
-                <a:latin typeface="Trebuchet MS (Títulos)"/>
-              </a:rPr>
-              <a:t>black</a:t>
-            </a:r>
-            <a:r>
-              <a:rPr lang="es-ES" sz="4400" dirty="0">
-                <a:latin typeface="Trebuchet MS (Títulos)"/>
-              </a:rPr>
-              <a:t>" define el color del borde de las barras, que es negro.</a:t>
-            </a:r>
-          </a:p>
-          <a:p>
-            <a:r>
-              <a:rPr lang="es-ES" sz="4400" dirty="0">
-                <a:latin typeface="Trebuchet MS (Títulos)"/>
-              </a:rPr>
-              <a:t>Se agregan etiquetas al gráfico mediante </a:t>
-            </a:r>
-            <a:r>
-              <a:rPr lang="es-ES" sz="4400" b="1" dirty="0" err="1">
-                <a:latin typeface="Trebuchet MS (Títulos)"/>
-              </a:rPr>
-              <a:t>labs</a:t>
-            </a:r>
-            <a:r>
-              <a:rPr lang="es-ES" sz="4400" dirty="0">
-                <a:latin typeface="Trebuchet MS (Títulos)"/>
-              </a:rPr>
-              <a:t>. La etiqueta del eje x se omite (x = NULL), y se asigna la etiqueta "Número de frases" al eje y. Además, se asigna el título "Frases que contienen palabras clave" al gráfico.</a:t>
-            </a:r>
-          </a:p>
-          <a:p>
-            <a:r>
-              <a:rPr lang="es-ES" sz="4400" dirty="0">
-                <a:latin typeface="Trebuchet MS (Títulos)"/>
-              </a:rPr>
-              <a:t>Se personaliza el tema del gráfico utilizando </a:t>
-            </a:r>
-            <a:r>
-              <a:rPr lang="es-ES" sz="4400" b="1" dirty="0" err="1">
-                <a:latin typeface="Trebuchet MS (Títulos)"/>
-              </a:rPr>
-              <a:t>theme</a:t>
-            </a:r>
-            <a:r>
-              <a:rPr lang="es-ES" sz="4400" dirty="0">
-                <a:latin typeface="Trebuchet MS (Títulos)"/>
-              </a:rPr>
-              <a:t>. Se ajusta el ángulo del texto en el eje x a 45 grados (</a:t>
-            </a:r>
-            <a:r>
-              <a:rPr lang="es-ES" sz="4400" dirty="0" err="1">
-                <a:latin typeface="Trebuchet MS (Títulos)"/>
-              </a:rPr>
-              <a:t>angle</a:t>
-            </a:r>
-            <a:r>
-              <a:rPr lang="es-ES" sz="4400" dirty="0">
-                <a:latin typeface="Trebuchet MS (Títulos)"/>
-              </a:rPr>
-              <a:t> = 45) para evitar la superposición de etiquetas y mejorar la legibilidad. El argumento </a:t>
-            </a:r>
-            <a:r>
-              <a:rPr lang="es-ES" sz="4400" dirty="0" err="1">
-                <a:latin typeface="Trebuchet MS (Títulos)"/>
-              </a:rPr>
-              <a:t>hjust</a:t>
-            </a:r>
-            <a:r>
-              <a:rPr lang="es-ES" sz="4400" dirty="0">
-                <a:latin typeface="Trebuchet MS (Títulos)"/>
-              </a:rPr>
-              <a:t> = 1 alinea horizontalmente el texto en el eje x.</a:t>
-            </a:r>
-          </a:p>
-          <a:p>
-            <a:endParaRPr lang="es-CO" dirty="0"/>
+              <a:t>("ggplot2")</a:t>
+            </a:r>
           </a:p>
         </p:txBody>
       </p:sp>
     </p:spTree>
     <p:extLst>
       <p:ext uri="{BB962C8B-B14F-4D97-AF65-F5344CB8AC3E}">
-        <p14:creationId xmlns:p14="http://schemas.microsoft.com/office/powerpoint/2010/main" val="2309351779"/>
+        <p14:creationId xmlns:p14="http://schemas.microsoft.com/office/powerpoint/2010/main" val="3556703902"/>
       </p:ext>
     </p:extLst>
   </p:cSld>
@@ -9430,45 +10004,103 @@
           <a:chExt cx="0" cy="0"/>
         </a:xfrm>
       </p:grpSpPr>
-      <p:pic>
-        <p:nvPicPr>
-          <p:cNvPr id="5" name="Marcador de contenido 4">
+      <p:sp>
+        <p:nvSpPr>
+          <p:cNvPr id="2" name="Título 1">
             <a:extLst>
               <a:ext uri="{FF2B5EF4-FFF2-40B4-BE49-F238E27FC236}">
-                <a16:creationId xmlns:a16="http://schemas.microsoft.com/office/drawing/2014/main" id="{8A711D6B-AC0E-AF2F-2379-6039A51B9994}"/>
+                <a16:creationId xmlns:a16="http://schemas.microsoft.com/office/drawing/2014/main" id="{D778969E-AFAA-1D45-7AD9-D78D32FA8AEE}"/>
               </a:ext>
             </a:extLst>
           </p:cNvPr>
-          <p:cNvPicPr>
-            <a:picLocks noGrp="1" noChangeAspect="1"/>
-          </p:cNvPicPr>
-          <p:nvPr>
-            <p:ph idx="1"/>
-          </p:nvPr>
-        </p:nvPicPr>
-        <p:blipFill>
-          <a:blip r:embed="rId2">
+          <p:cNvSpPr>
+            <a:spLocks noGrp="1"/>
+          </p:cNvSpPr>
+          <p:nvPr>
+            <p:ph type="title"/>
+          </p:nvPr>
+        </p:nvSpPr>
+        <p:spPr/>
+        <p:txBody>
+          <a:bodyPr>
+            <a:normAutofit/>
+          </a:bodyPr>
+          <a:lstStyle/>
+          <a:p>
+            <a:r>
+              <a:rPr lang="es-MX" sz="2800" dirty="0"/>
+              <a:t>Palabra clave </a:t>
+            </a:r>
+            <a:endParaRPr lang="es-CO" sz="2800" dirty="0"/>
+          </a:p>
+        </p:txBody>
+      </p:sp>
+      <p:sp>
+        <p:nvSpPr>
+          <p:cNvPr id="3" name="Marcador de contenido 2">
             <a:extLst>
-              <a:ext uri="{28A0092B-C50C-407E-A947-70E740481C1C}">
-                <a14:useLocalDpi xmlns:a14="http://schemas.microsoft.com/office/drawing/2010/main" val="0"/>
+              <a:ext uri="{FF2B5EF4-FFF2-40B4-BE49-F238E27FC236}">
+                <a16:creationId xmlns:a16="http://schemas.microsoft.com/office/drawing/2014/main" id="{5440D358-AE7B-1376-9EBA-C8ED3DB43F6C}"/>
               </a:ext>
             </a:extLst>
-          </a:blip>
-          <a:stretch>
-            <a:fillRect/>
-          </a:stretch>
-        </p:blipFill>
-        <p:spPr>
-          <a:xfrm>
-            <a:off x="0" y="0"/>
-            <a:ext cx="12191999" cy="6858994"/>
-          </a:xfrm>
-        </p:spPr>
-      </p:pic>
+          </p:cNvPr>
+          <p:cNvSpPr>
+            <a:spLocks noGrp="1"/>
+          </p:cNvSpPr>
+          <p:nvPr>
+            <p:ph idx="1"/>
+          </p:nvPr>
+        </p:nvSpPr>
+        <p:spPr/>
+        <p:txBody>
+          <a:bodyPr>
+            <a:normAutofit/>
+          </a:bodyPr>
+          <a:lstStyle/>
+          <a:p>
+            <a:r>
+              <a:rPr lang="es-ES" b="0" i="0" dirty="0">
+                <a:effectLst/>
+                <a:latin typeface="Trebuchet MS (Títulos)"/>
+              </a:rPr>
+              <a:t>Conocer nuestras propias habilidades y limitaciones nos permite tomar decisiones más acertadas. Saber qué somos buenos nos da confianza para enfrentar nuevos desafíos, mientras que reconocer nuestras debilidades nos permite trabajar en ellas y mejorar.</a:t>
+            </a:r>
+            <a:endParaRPr lang="es-ES" dirty="0">
+              <a:latin typeface="Trebuchet MS (Títulos)"/>
+            </a:endParaRPr>
+          </a:p>
+          <a:p>
+            <a:pPr algn="l"/>
+            <a:r>
+              <a:rPr lang="es-ES" b="0" i="0" dirty="0">
+                <a:effectLst/>
+                <a:latin typeface="Trebuchet MS (Títulos)"/>
+              </a:rPr>
+              <a:t>El conocimiento del entorno en el que nos desenvolvemos también es esencial. Saber cómo funcionan las cosas, las reglas del juego y las oportunidades que se presentan nos da una ventaja para tomar decisiones inteligentes y aprovechar las situaciones a nuestro favor.</a:t>
+            </a:r>
+          </a:p>
+          <a:p>
+            <a:endParaRPr lang="es-ES" b="0" i="0" dirty="0">
+              <a:effectLst/>
+              <a:latin typeface="Söhne"/>
+            </a:endParaRPr>
+          </a:p>
+          <a:p>
+            <a:pPr algn="l"/>
+            <a:endParaRPr lang="es-ES" b="0" i="0" dirty="0">
+              <a:effectLst/>
+              <a:latin typeface="Söhne"/>
+            </a:endParaRPr>
+          </a:p>
+          <a:p>
+            <a:endParaRPr lang="es-CO" dirty="0"/>
+          </a:p>
+        </p:txBody>
+      </p:sp>
     </p:spTree>
     <p:extLst>
       <p:ext uri="{BB962C8B-B14F-4D97-AF65-F5344CB8AC3E}">
-        <p14:creationId xmlns:p14="http://schemas.microsoft.com/office/powerpoint/2010/main" val="4150133507"/>
+        <p14:creationId xmlns:p14="http://schemas.microsoft.com/office/powerpoint/2010/main" val="782508922"/>
       </p:ext>
     </p:extLst>
   </p:cSld>
@@ -9500,7 +10132,7 @@
           <p:cNvPr id="2" name="Título 1">
             <a:extLst>
               <a:ext uri="{FF2B5EF4-FFF2-40B4-BE49-F238E27FC236}">
-                <a16:creationId xmlns:a16="http://schemas.microsoft.com/office/drawing/2014/main" id="{1EFC6BC8-F92F-675D-5D62-F59A0B7C0484}"/>
+                <a16:creationId xmlns:a16="http://schemas.microsoft.com/office/drawing/2014/main" id="{B62330A1-FD1E-4F20-DACF-3AFD8FE85805}"/>
               </a:ext>
             </a:extLst>
           </p:cNvPr>
@@ -9518,11 +10150,26 @@
           </a:bodyPr>
           <a:lstStyle/>
           <a:p>
-            <a:r>
-              <a:rPr lang="es-ES" sz="2800" dirty="0"/>
-              <a:t>Librería wordcloud2</a:t>
-            </a:r>
-            <a:endParaRPr lang="es-CO" sz="2800" dirty="0"/>
+            <a:pPr marL="228600" indent="-228600">
+              <a:spcBef>
+                <a:spcPts val="1000"/>
+              </a:spcBef>
+              <a:buFont typeface="Arial" panose="020B0604020202020204" pitchFamily="34" charset="0"/>
+              <a:buChar char="•"/>
+            </a:pPr>
+            <a:r>
+              <a:rPr lang="es-MX" sz="2800" dirty="0">
+                <a:latin typeface="Trebuchet MS (Títulos)"/>
+                <a:ea typeface="+mn-ea"/>
+                <a:cs typeface="+mn-cs"/>
+              </a:rPr>
+              <a:t>La vida es una batalla</a:t>
+            </a:r>
+            <a:endParaRPr lang="es-CO" sz="2800" dirty="0">
+              <a:latin typeface="Trebuchet MS (Títulos)"/>
+              <a:ea typeface="+mn-ea"/>
+              <a:cs typeface="+mn-cs"/>
+            </a:endParaRPr>
           </a:p>
         </p:txBody>
       </p:sp>
@@ -9531,7 +10178,7 @@
           <p:cNvPr id="3" name="Marcador de contenido 2">
             <a:extLst>
               <a:ext uri="{FF2B5EF4-FFF2-40B4-BE49-F238E27FC236}">
-                <a16:creationId xmlns:a16="http://schemas.microsoft.com/office/drawing/2014/main" id="{D04945A0-EFD5-6A79-7934-F35627CA6843}"/>
+                <a16:creationId xmlns:a16="http://schemas.microsoft.com/office/drawing/2014/main" id="{F3F7B452-6521-1B77-5284-834AF63F229B}"/>
               </a:ext>
             </a:extLst>
           </p:cNvPr>
@@ -9544,77 +10191,37 @@
         </p:nvSpPr>
         <p:spPr/>
         <p:txBody>
-          <a:bodyPr/>
+          <a:bodyPr>
+            <a:normAutofit/>
+          </a:bodyPr>
           <a:lstStyle/>
           <a:p>
-            <a:r>
-              <a:rPr lang="es-ES" dirty="0"/>
-              <a:t>Son librerías o paquetes de R, para generar nubes de palabras, </a:t>
-            </a:r>
-            <a:r>
-              <a:rPr lang="es-ES" dirty="0" err="1"/>
-              <a:t>ó</a:t>
-            </a:r>
-            <a:r>
-              <a:rPr lang="es-ES" dirty="0"/>
-              <a:t> </a:t>
-            </a:r>
-            <a:r>
-              <a:rPr lang="es-ES" dirty="0" err="1"/>
-              <a:t>WordCloud</a:t>
-            </a:r>
-            <a:r>
-              <a:rPr lang="es-ES" dirty="0"/>
-              <a:t> por su nombre en inglés. Una de ellas es wordcloud2 y la otra, </a:t>
-            </a:r>
-            <a:r>
-              <a:rPr lang="es-ES" dirty="0" err="1"/>
-              <a:t>wordcloud</a:t>
-            </a:r>
-            <a:r>
-              <a:rPr lang="es-ES" dirty="0"/>
-              <a:t>.</a:t>
-            </a:r>
-          </a:p>
-          <a:p>
-            <a:endParaRPr lang="es-ES" dirty="0"/>
-          </a:p>
-          <a:p>
-            <a:pPr marL="0" indent="0">
-              <a:buNone/>
-            </a:pPr>
+            <a:pPr algn="l"/>
             <a:r>
               <a:rPr lang="es-ES" dirty="0">
                 <a:latin typeface="Trebuchet MS (Títulos)"/>
               </a:rPr>
-              <a:t> librería </a:t>
-            </a:r>
-            <a:r>
-              <a:rPr lang="es-ES" dirty="0" err="1">
-                <a:latin typeface="Trebuchet MS (Títulos)"/>
-              </a:rPr>
-              <a:t>Wordclound</a:t>
-            </a:r>
+              <a:t>Imaginen que nuestra vida es como un campo de batalla, lleno de desafíos y obstáculos que debemos superar. En este "campo", el saber es nuestra arma secreta. Cuando enfrentamos problemas o decisiones difíciles, el conocimiento nos proporciona una guía valiosa.</a:t>
+            </a:r>
+          </a:p>
+          <a:p>
+            <a:pPr algn="l"/>
             <a:r>
               <a:rPr lang="es-ES" dirty="0">
                 <a:latin typeface="Trebuchet MS (Títulos)"/>
               </a:rPr>
-              <a:t>:</a:t>
-            </a:r>
-          </a:p>
-          <a:p>
-            <a:r>
-              <a:rPr lang="es-ES" dirty="0" err="1">
-                <a:latin typeface="Trebuchet MS (Títulos)"/>
-              </a:rPr>
-              <a:t>instalar.paquetes</a:t>
-            </a:r>
-            <a:r>
-              <a:rPr lang="es-ES" dirty="0">
-                <a:latin typeface="Trebuchet MS (Títulos)"/>
-              </a:rPr>
-              <a:t>(“wordclound2")</a:t>
-            </a:r>
+              <a:t>Conocer a las personas que nos rodean, entender sus puntos de vista y emociones, nos ayuda a establecer conexiones más fuertes y a resolver conflictos. Al comprender sus fortalezas y debilidades, podemos formar equipos sólidos y apoyarnos mutuamente en momentos de necesidad.</a:t>
+            </a:r>
+          </a:p>
+          <a:p>
+            <a:pPr algn="l"/>
+            <a:endParaRPr lang="es-ES" b="0" i="0" dirty="0">
+              <a:effectLst/>
+              <a:latin typeface="Söhne"/>
+            </a:endParaRPr>
+          </a:p>
+          <a:p>
+            <a:endParaRPr lang="es-CO" dirty="0"/>
           </a:p>
           <a:p>
             <a:endParaRPr lang="es-CO" dirty="0"/>
@@ -9624,7 +10231,7 @@
     </p:spTree>
     <p:extLst>
       <p:ext uri="{BB962C8B-B14F-4D97-AF65-F5344CB8AC3E}">
-        <p14:creationId xmlns:p14="http://schemas.microsoft.com/office/powerpoint/2010/main" val="828722691"/>
+        <p14:creationId xmlns:p14="http://schemas.microsoft.com/office/powerpoint/2010/main" val="2138356295"/>
       </p:ext>
     </p:extLst>
   </p:cSld>

--- a/QUE DEBES CONOCER PARA GANAR CUALQUER BATALLA OTRA VERSION.pptx
+++ b/QUE DEBES CONOCER PARA GANAR CUALQUER BATALLA OTRA VERSION.pptx
@@ -11,12 +11,12 @@
     <p:sldId id="269" r:id="rId5"/>
     <p:sldId id="270" r:id="rId6"/>
     <p:sldId id="271" r:id="rId7"/>
-    <p:sldId id="263" r:id="rId8"/>
-    <p:sldId id="260" r:id="rId9"/>
-    <p:sldId id="259" r:id="rId10"/>
-    <p:sldId id="267" r:id="rId11"/>
-    <p:sldId id="268" r:id="rId12"/>
-    <p:sldId id="264" r:id="rId13"/>
+    <p:sldId id="260" r:id="rId8"/>
+    <p:sldId id="263" r:id="rId9"/>
+    <p:sldId id="267" r:id="rId10"/>
+    <p:sldId id="264" r:id="rId11"/>
+    <p:sldId id="259" r:id="rId12"/>
+    <p:sldId id="268" r:id="rId13"/>
     <p:sldId id="265" r:id="rId14"/>
     <p:sldId id="266" r:id="rId15"/>
     <p:sldId id="272" r:id="rId16"/>
@@ -7860,249 +7860,45 @@
           <a:chExt cx="0" cy="0"/>
         </a:xfrm>
       </p:grpSpPr>
-      <p:sp>
-        <p:nvSpPr>
-          <p:cNvPr id="2" name="Título 1">
+      <p:pic>
+        <p:nvPicPr>
+          <p:cNvPr id="5" name="Marcador de contenido 4">
             <a:extLst>
               <a:ext uri="{FF2B5EF4-FFF2-40B4-BE49-F238E27FC236}">
-                <a16:creationId xmlns:a16="http://schemas.microsoft.com/office/drawing/2014/main" id="{D78D24A6-82F6-B69C-DBE8-E34AD5BC5FD6}"/>
+                <a16:creationId xmlns:a16="http://schemas.microsoft.com/office/drawing/2014/main" id="{8A711D6B-AC0E-AF2F-2379-6039A51B9994}"/>
               </a:ext>
             </a:extLst>
           </p:cNvPr>
-          <p:cNvSpPr>
-            <a:spLocks noGrp="1"/>
-          </p:cNvSpPr>
-          <p:nvPr>
-            <p:ph type="title"/>
-          </p:nvPr>
-        </p:nvSpPr>
-        <p:spPr/>
-        <p:txBody>
-          <a:bodyPr/>
-          <a:lstStyle/>
-          <a:p>
-            <a:r>
-              <a:rPr lang="es-MX" sz="2800" dirty="0"/>
-              <a:t>Sintaxis</a:t>
-            </a:r>
-            <a:endParaRPr lang="es-CO" dirty="0"/>
-          </a:p>
-        </p:txBody>
-      </p:sp>
-      <p:sp>
-        <p:nvSpPr>
-          <p:cNvPr id="3" name="Marcador de contenido 2">
+          <p:cNvPicPr>
+            <a:picLocks noGrp="1" noChangeAspect="1"/>
+          </p:cNvPicPr>
+          <p:nvPr>
+            <p:ph idx="1"/>
+          </p:nvPr>
+        </p:nvPicPr>
+        <p:blipFill>
+          <a:blip r:embed="rId2">
             <a:extLst>
-              <a:ext uri="{FF2B5EF4-FFF2-40B4-BE49-F238E27FC236}">
-                <a16:creationId xmlns:a16="http://schemas.microsoft.com/office/drawing/2014/main" id="{4C5CB410-5020-313C-2271-B98893D6CD0B}"/>
+              <a:ext uri="{28A0092B-C50C-407E-A947-70E740481C1C}">
+                <a14:useLocalDpi xmlns:a14="http://schemas.microsoft.com/office/drawing/2010/main" val="0"/>
               </a:ext>
             </a:extLst>
-          </p:cNvPr>
-          <p:cNvSpPr>
-            <a:spLocks noGrp="1"/>
-          </p:cNvSpPr>
-          <p:nvPr>
-            <p:ph idx="1"/>
-          </p:nvPr>
-        </p:nvSpPr>
-        <p:spPr/>
-        <p:txBody>
-          <a:bodyPr>
-            <a:noAutofit/>
-          </a:bodyPr>
-          <a:lstStyle/>
-          <a:p>
-            <a:r>
-              <a:rPr lang="es-ES" dirty="0">
-                <a:latin typeface="Trebuchet MS (Títulos)"/>
-              </a:rPr>
-              <a:t>Es difícil describir sucintamente cómo funciona ggplot2 porque encarna una profunda filosofía de visualización. Sin embargo, en la mayoría de los casos, comienza con:</a:t>
-            </a:r>
-          </a:p>
-          <a:p>
-            <a:r>
-              <a:rPr lang="es-ES" dirty="0" err="1">
-                <a:latin typeface="Trebuchet MS (Títulos)"/>
-              </a:rPr>
-              <a:t>ggplot</a:t>
-            </a:r>
-            <a:r>
-              <a:rPr lang="es-ES" dirty="0">
-                <a:latin typeface="Trebuchet MS (Títulos)"/>
-              </a:rPr>
-              <a:t>(</a:t>
-            </a:r>
-            <a:r>
-              <a:rPr lang="es-ES" dirty="0" err="1">
-                <a:latin typeface="Trebuchet MS (Títulos)"/>
-              </a:rPr>
-              <a:t>datos_grafico</a:t>
-            </a:r>
-            <a:r>
-              <a:rPr lang="es-ES" dirty="0">
-                <a:latin typeface="Trebuchet MS (Títulos)"/>
-              </a:rPr>
-              <a:t>, </a:t>
-            </a:r>
-          </a:p>
-          <a:p>
-            <a:r>
-              <a:rPr lang="es-ES" dirty="0">
-                <a:latin typeface="Trebuchet MS (Títulos)"/>
-              </a:rPr>
-              <a:t>aes(x = Palabra, y = Numero, </a:t>
-            </a:r>
-            <a:r>
-              <a:rPr lang="es-ES" dirty="0" err="1">
-                <a:latin typeface="Trebuchet MS (Títulos)"/>
-              </a:rPr>
-              <a:t>fill</a:t>
-            </a:r>
-            <a:r>
-              <a:rPr lang="es-ES" dirty="0">
-                <a:latin typeface="Trebuchet MS (Títulos)"/>
-              </a:rPr>
-              <a:t> = Palabra)) + </a:t>
-            </a:r>
-          </a:p>
-          <a:p>
-            <a:r>
-              <a:rPr lang="es-ES" dirty="0" err="1">
-                <a:latin typeface="Trebuchet MS (Títulos)"/>
-              </a:rPr>
-              <a:t>geom_bar</a:t>
-            </a:r>
-            <a:r>
-              <a:rPr lang="es-ES" dirty="0">
-                <a:latin typeface="Trebuchet MS (Títulos)"/>
-              </a:rPr>
-              <a:t>(</a:t>
-            </a:r>
-            <a:r>
-              <a:rPr lang="es-ES" dirty="0" err="1">
-                <a:latin typeface="Trebuchet MS (Títulos)"/>
-              </a:rPr>
-              <a:t>stat</a:t>
-            </a:r>
-            <a:r>
-              <a:rPr lang="es-ES" dirty="0">
-                <a:latin typeface="Trebuchet MS (Títulos)"/>
-              </a:rPr>
-              <a:t> = "</a:t>
-            </a:r>
-            <a:r>
-              <a:rPr lang="es-ES" dirty="0" err="1">
-                <a:latin typeface="Trebuchet MS (Títulos)"/>
-              </a:rPr>
-              <a:t>identity</a:t>
-            </a:r>
-            <a:r>
-              <a:rPr lang="es-ES" dirty="0">
-                <a:latin typeface="Trebuchet MS (Títulos)"/>
-              </a:rPr>
-              <a:t>", color = "</a:t>
-            </a:r>
-            <a:r>
-              <a:rPr lang="es-ES" dirty="0" err="1">
-                <a:latin typeface="Trebuchet MS (Títulos)"/>
-              </a:rPr>
-              <a:t>black</a:t>
-            </a:r>
-            <a:r>
-              <a:rPr lang="es-ES" dirty="0">
-                <a:latin typeface="Trebuchet MS (Títulos)"/>
-              </a:rPr>
-              <a:t>") +  </a:t>
-            </a:r>
-          </a:p>
-          <a:p>
-            <a:r>
-              <a:rPr lang="es-ES" dirty="0" err="1">
-                <a:latin typeface="Trebuchet MS (Títulos)"/>
-              </a:rPr>
-              <a:t>labs</a:t>
-            </a:r>
-            <a:r>
-              <a:rPr lang="es-ES" dirty="0">
-                <a:latin typeface="Trebuchet MS (Títulos)"/>
-              </a:rPr>
-              <a:t>(x = NULL, y = "Número de frases", </a:t>
-            </a:r>
-            <a:r>
-              <a:rPr lang="es-ES" dirty="0" err="1">
-                <a:latin typeface="Trebuchet MS (Títulos)"/>
-              </a:rPr>
-              <a:t>title</a:t>
-            </a:r>
-            <a:r>
-              <a:rPr lang="es-ES" dirty="0">
-                <a:latin typeface="Trebuchet MS (Títulos)"/>
-              </a:rPr>
-              <a:t> = "Frases que contienen palabras clave") + </a:t>
-            </a:r>
-          </a:p>
-          <a:p>
-            <a:r>
-              <a:rPr lang="es-ES" dirty="0">
-                <a:latin typeface="Trebuchet MS (Títulos)"/>
-              </a:rPr>
-              <a:t> </a:t>
-            </a:r>
-            <a:r>
-              <a:rPr lang="es-ES" dirty="0" err="1">
-                <a:latin typeface="Trebuchet MS (Títulos)"/>
-              </a:rPr>
-              <a:t>theme</a:t>
-            </a:r>
-            <a:r>
-              <a:rPr lang="es-ES" dirty="0">
-                <a:latin typeface="Trebuchet MS (Títulos)"/>
-              </a:rPr>
-              <a:t>(</a:t>
-            </a:r>
-            <a:r>
-              <a:rPr lang="es-ES" dirty="0" err="1">
-                <a:latin typeface="Trebuchet MS (Títulos)"/>
-              </a:rPr>
-              <a:t>axis.text.x</a:t>
-            </a:r>
-            <a:r>
-              <a:rPr lang="es-ES" dirty="0">
-                <a:latin typeface="Trebuchet MS (Títulos)"/>
-              </a:rPr>
-              <a:t> = </a:t>
-            </a:r>
-            <a:r>
-              <a:rPr lang="es-ES" dirty="0" err="1">
-                <a:latin typeface="Trebuchet MS (Títulos)"/>
-              </a:rPr>
-              <a:t>element_text</a:t>
-            </a:r>
-            <a:r>
-              <a:rPr lang="es-ES" dirty="0">
-                <a:latin typeface="Trebuchet MS (Títulos)"/>
-              </a:rPr>
-              <a:t>(angle = 45, </a:t>
-            </a:r>
-            <a:r>
-              <a:rPr lang="es-ES" dirty="0" err="1">
-                <a:latin typeface="Trebuchet MS (Títulos)"/>
-              </a:rPr>
-              <a:t>hjust</a:t>
-            </a:r>
-            <a:r>
-              <a:rPr lang="es-ES" dirty="0">
-                <a:latin typeface="Trebuchet MS (Títulos)"/>
-              </a:rPr>
-              <a:t> = 1))</a:t>
-            </a:r>
-          </a:p>
-        </p:txBody>
-      </p:sp>
+          </a:blip>
+          <a:stretch>
+            <a:fillRect/>
+          </a:stretch>
+        </p:blipFill>
+        <p:spPr>
+          <a:xfrm>
+            <a:off x="0" y="0"/>
+            <a:ext cx="12191999" cy="6858994"/>
+          </a:xfrm>
+        </p:spPr>
+      </p:pic>
     </p:spTree>
     <p:extLst>
       <p:ext uri="{BB962C8B-B14F-4D97-AF65-F5344CB8AC3E}">
-        <p14:creationId xmlns:p14="http://schemas.microsoft.com/office/powerpoint/2010/main" val="4108334512"/>
+        <p14:creationId xmlns:p14="http://schemas.microsoft.com/office/powerpoint/2010/main" val="4150133507"/>
       </p:ext>
     </p:extLst>
   </p:cSld>
@@ -8134,7 +7930,7 @@
           <p:cNvPr id="2" name="Título 1">
             <a:extLst>
               <a:ext uri="{FF2B5EF4-FFF2-40B4-BE49-F238E27FC236}">
-                <a16:creationId xmlns:a16="http://schemas.microsoft.com/office/drawing/2014/main" id="{C9138EC7-7308-4EB9-9D5A-7C3F95ED1BF3}"/>
+                <a16:creationId xmlns:a16="http://schemas.microsoft.com/office/drawing/2014/main" id="{B62330A1-FD1E-4F20-DACF-3AFD8FE85805}"/>
               </a:ext>
             </a:extLst>
           </p:cNvPr>
@@ -8147,14 +7943,31 @@
         </p:nvSpPr>
         <p:spPr/>
         <p:txBody>
-          <a:bodyPr/>
+          <a:bodyPr>
+            <a:normAutofit/>
+          </a:bodyPr>
           <a:lstStyle/>
           <a:p>
-            <a:r>
-              <a:rPr lang="es-MX" sz="2800" dirty="0"/>
-              <a:t>Sintaxis</a:t>
-            </a:r>
-            <a:endParaRPr lang="es-CO" dirty="0"/>
+            <a:pPr marL="228600" indent="-228600">
+              <a:spcBef>
+                <a:spcPts val="1000"/>
+              </a:spcBef>
+              <a:buFont typeface="Arial" panose="020B0604020202020204" pitchFamily="34" charset="0"/>
+              <a:buChar char="•"/>
+            </a:pPr>
+            <a:r>
+              <a:rPr lang="es-MX" sz="2800" dirty="0">
+                <a:latin typeface="Trebuchet MS (Títulos)"/>
+                <a:ea typeface="+mn-ea"/>
+                <a:cs typeface="+mn-cs"/>
+              </a:rPr>
+              <a:t>La vida es una batalla</a:t>
+            </a:r>
+            <a:endParaRPr lang="es-CO" sz="2800" dirty="0">
+              <a:latin typeface="Trebuchet MS (Títulos)"/>
+              <a:ea typeface="+mn-ea"/>
+              <a:cs typeface="+mn-cs"/>
+            </a:endParaRPr>
           </a:p>
         </p:txBody>
       </p:sp>
@@ -8163,7 +7976,7 @@
           <p:cNvPr id="3" name="Marcador de contenido 2">
             <a:extLst>
               <a:ext uri="{FF2B5EF4-FFF2-40B4-BE49-F238E27FC236}">
-                <a16:creationId xmlns:a16="http://schemas.microsoft.com/office/drawing/2014/main" id="{0D5A222B-9DB1-4493-B234-00939271FEC1}"/>
+                <a16:creationId xmlns:a16="http://schemas.microsoft.com/office/drawing/2014/main" id="{F3F7B452-6521-1B77-5284-834AF63F229B}"/>
               </a:ext>
             </a:extLst>
           </p:cNvPr>
@@ -8177,160 +7990,36 @@
         <p:spPr/>
         <p:txBody>
           <a:bodyPr>
-            <a:normAutofit fontScale="40000" lnSpcReduction="20000"/>
+            <a:normAutofit/>
           </a:bodyPr>
           <a:lstStyle/>
           <a:p>
-            <a:r>
-              <a:rPr lang="es-ES" sz="4400" dirty="0">
+            <a:pPr algn="l"/>
+            <a:r>
+              <a:rPr lang="es-ES" dirty="0">
                 <a:latin typeface="Trebuchet MS (Títulos)"/>
               </a:rPr>
-              <a:t>El código utiliza la librería </a:t>
-            </a:r>
-            <a:r>
-              <a:rPr lang="es-ES" sz="4400" b="1" dirty="0">
+              <a:t>Imaginen que nuestra vida es como un campo de batalla, lleno de desafíos y obstáculos que debemos superar. En este "campo", el saber es nuestra arma secreta. Cuando enfrentamos problemas o decisiones difíciles, el conocimiento nos proporciona una guía valiosa.</a:t>
+            </a:r>
+          </a:p>
+          <a:p>
+            <a:pPr algn="l"/>
+            <a:r>
+              <a:rPr lang="es-ES" dirty="0">
                 <a:latin typeface="Trebuchet MS (Títulos)"/>
               </a:rPr>
-              <a:t>ggplot2</a:t>
-            </a:r>
-            <a:r>
-              <a:rPr lang="es-ES" sz="4400" dirty="0">
-                <a:latin typeface="Trebuchet MS (Títulos)"/>
-              </a:rPr>
-              <a:t> en R para crear un gráfico de barras a partir de los datos proporcionados en el objeto </a:t>
-            </a:r>
-            <a:r>
-              <a:rPr lang="es-ES" sz="4400" dirty="0" err="1">
-                <a:latin typeface="Trebuchet MS (Títulos)"/>
-              </a:rPr>
-              <a:t>datos_grafico</a:t>
-            </a:r>
-            <a:r>
-              <a:rPr lang="es-ES" sz="4400" dirty="0">
-                <a:latin typeface="Trebuchet MS (Títulos)"/>
-              </a:rPr>
-              <a:t>. Se asigna la columna "Palabra" al eje x y la columna "Numero" al eje y. Además, se utiliza la columna "Palabra" para definir el color de las barras.</a:t>
-            </a:r>
-          </a:p>
-          <a:p>
-            <a:r>
-              <a:rPr lang="es-ES" sz="4400" dirty="0">
-                <a:latin typeface="Trebuchet MS (Títulos)"/>
-              </a:rPr>
-              <a:t>Se agrega una capa al gráfico utilizando </a:t>
-            </a:r>
-            <a:r>
-              <a:rPr lang="es-ES" sz="4400" b="1" dirty="0" err="1">
-                <a:latin typeface="Trebuchet MS (Títulos)"/>
-              </a:rPr>
-              <a:t>geom_bar</a:t>
-            </a:r>
-            <a:r>
-              <a:rPr lang="es-ES" sz="4400" dirty="0">
-                <a:latin typeface="Trebuchet MS (Títulos)"/>
-              </a:rPr>
-              <a:t>, lo que crea un gráfico de barras. El argumento </a:t>
-            </a:r>
-            <a:r>
-              <a:rPr lang="es-ES" sz="4400" dirty="0" err="1">
-                <a:latin typeface="Trebuchet MS (Títulos)"/>
-              </a:rPr>
-              <a:t>stat</a:t>
-            </a:r>
-            <a:r>
-              <a:rPr lang="es-ES" sz="4400" dirty="0">
-                <a:latin typeface="Trebuchet MS (Títulos)"/>
-              </a:rPr>
-              <a:t> = "</a:t>
-            </a:r>
-            <a:r>
-              <a:rPr lang="es-ES" sz="4400" dirty="0" err="1">
-                <a:latin typeface="Trebuchet MS (Títulos)"/>
-              </a:rPr>
-              <a:t>identity</a:t>
-            </a:r>
-            <a:r>
-              <a:rPr lang="es-ES" sz="4400" dirty="0">
-                <a:latin typeface="Trebuchet MS (Títulos)"/>
-              </a:rPr>
-              <a:t>" indica que las alturas de las barras se toman directamente de los datos proporcionados en "Numero", en lugar de calcular frecuencias. El argumento color = "</a:t>
-            </a:r>
-            <a:r>
-              <a:rPr lang="es-ES" sz="4400" dirty="0" err="1">
-                <a:latin typeface="Trebuchet MS (Títulos)"/>
-              </a:rPr>
-              <a:t>black</a:t>
-            </a:r>
-            <a:r>
-              <a:rPr lang="es-ES" sz="4400" dirty="0">
-                <a:latin typeface="Trebuchet MS (Títulos)"/>
-              </a:rPr>
-              <a:t>" define el color del borde de las barras, que es negro.</a:t>
-            </a:r>
-          </a:p>
-          <a:p>
-            <a:r>
-              <a:rPr lang="es-ES" sz="4400" dirty="0">
-                <a:latin typeface="Trebuchet MS (Títulos)"/>
-              </a:rPr>
-              <a:t>Se agregan etiquetas al gráfico mediante </a:t>
-            </a:r>
-            <a:r>
-              <a:rPr lang="es-ES" sz="4400" b="1" dirty="0" err="1">
-                <a:latin typeface="Trebuchet MS (Títulos)"/>
-              </a:rPr>
-              <a:t>labs</a:t>
-            </a:r>
-            <a:r>
-              <a:rPr lang="es-ES" sz="4400" dirty="0">
-                <a:latin typeface="Trebuchet MS (Títulos)"/>
-              </a:rPr>
-              <a:t>. La etiqueta del eje x se omite (x = NULL), y se asigna la etiqueta "Número de frases" al eje y. Además, se asigna el título "Frases que contienen palabras clave" al gráfico.</a:t>
-            </a:r>
-          </a:p>
-          <a:p>
-            <a:r>
-              <a:rPr lang="es-ES" sz="4400" dirty="0">
-                <a:latin typeface="Trebuchet MS (Títulos)"/>
-              </a:rPr>
-              <a:t>Se personaliza el tema del gráfico utilizando </a:t>
-            </a:r>
-            <a:r>
-              <a:rPr lang="es-ES" sz="4400" b="1" dirty="0" err="1">
-                <a:latin typeface="Trebuchet MS (Títulos)"/>
-              </a:rPr>
-              <a:t>theme</a:t>
-            </a:r>
-            <a:r>
-              <a:rPr lang="es-ES" sz="4400" dirty="0">
-                <a:latin typeface="Trebuchet MS (Títulos)"/>
-              </a:rPr>
-              <a:t>. Se ajusta el ángulo del texto en el eje x a 45 grados (</a:t>
-            </a:r>
-            <a:r>
-              <a:rPr lang="es-ES" sz="4400" dirty="0" err="1">
-                <a:latin typeface="Trebuchet MS (Títulos)"/>
-              </a:rPr>
-              <a:t>angle</a:t>
-            </a:r>
-            <a:r>
-              <a:rPr lang="es-ES" sz="4400" dirty="0">
-                <a:latin typeface="Trebuchet MS (Títulos)"/>
-              </a:rPr>
-              <a:t> = 45) para evitar la superposición de etiquetas y mejorar la legibilidad. El argumento </a:t>
-            </a:r>
-            <a:r>
-              <a:rPr lang="es-ES" sz="4400" dirty="0" err="1">
-                <a:latin typeface="Trebuchet MS (Títulos)"/>
-              </a:rPr>
-              <a:t>hjust</a:t>
-            </a:r>
-            <a:r>
-              <a:rPr lang="es-ES" sz="4400" dirty="0">
-                <a:latin typeface="Trebuchet MS (Títulos)"/>
-              </a:rPr>
-              <a:t> = 1 alinea horizontalmente el texto en el eje x.</a:t>
-            </a:r>
+              <a:t>Conocer a las personas que nos rodean, entender sus puntos de vista y emociones, nos ayuda a establecer conexiones más fuertes y a resolver conflictos. Al comprender sus fortalezas y debilidades, podemos formar equipos sólidos y apoyarnos mutuamente en momentos de necesidad.</a:t>
+            </a:r>
+          </a:p>
+          <a:p>
+            <a:pPr algn="l"/>
+            <a:endParaRPr lang="es-ES" b="0" i="0" dirty="0">
+              <a:effectLst/>
+              <a:latin typeface="Söhne"/>
+            </a:endParaRPr>
+          </a:p>
+          <a:p>
+            <a:endParaRPr lang="es-CO" dirty="0"/>
           </a:p>
           <a:p>
             <a:endParaRPr lang="es-CO" dirty="0"/>
@@ -8340,7 +8029,7 @@
     </p:spTree>
     <p:extLst>
       <p:ext uri="{BB962C8B-B14F-4D97-AF65-F5344CB8AC3E}">
-        <p14:creationId xmlns:p14="http://schemas.microsoft.com/office/powerpoint/2010/main" val="2309351779"/>
+        <p14:creationId xmlns:p14="http://schemas.microsoft.com/office/powerpoint/2010/main" val="2138356295"/>
       </p:ext>
     </p:extLst>
   </p:cSld>
@@ -8367,45 +8056,218 @@
           <a:chExt cx="0" cy="0"/>
         </a:xfrm>
       </p:grpSpPr>
-      <p:pic>
-        <p:nvPicPr>
-          <p:cNvPr id="5" name="Marcador de contenido 4">
+      <p:sp>
+        <p:nvSpPr>
+          <p:cNvPr id="2" name="Título 1">
             <a:extLst>
               <a:ext uri="{FF2B5EF4-FFF2-40B4-BE49-F238E27FC236}">
-                <a16:creationId xmlns:a16="http://schemas.microsoft.com/office/drawing/2014/main" id="{8A711D6B-AC0E-AF2F-2379-6039A51B9994}"/>
+                <a16:creationId xmlns:a16="http://schemas.microsoft.com/office/drawing/2014/main" id="{C9138EC7-7308-4EB9-9D5A-7C3F95ED1BF3}"/>
               </a:ext>
             </a:extLst>
           </p:cNvPr>
-          <p:cNvPicPr>
-            <a:picLocks noGrp="1" noChangeAspect="1"/>
-          </p:cNvPicPr>
-          <p:nvPr>
-            <p:ph idx="1"/>
-          </p:nvPr>
-        </p:nvPicPr>
-        <p:blipFill>
-          <a:blip r:embed="rId2">
+          <p:cNvSpPr>
+            <a:spLocks noGrp="1"/>
+          </p:cNvSpPr>
+          <p:nvPr>
+            <p:ph type="title"/>
+          </p:nvPr>
+        </p:nvSpPr>
+        <p:spPr/>
+        <p:txBody>
+          <a:bodyPr/>
+          <a:lstStyle/>
+          <a:p>
+            <a:r>
+              <a:rPr lang="es-MX" sz="2800" dirty="0"/>
+              <a:t>Sintaxis</a:t>
+            </a:r>
+            <a:endParaRPr lang="es-CO" dirty="0"/>
+          </a:p>
+        </p:txBody>
+      </p:sp>
+      <p:sp>
+        <p:nvSpPr>
+          <p:cNvPr id="3" name="Marcador de contenido 2">
             <a:extLst>
-              <a:ext uri="{28A0092B-C50C-407E-A947-70E740481C1C}">
-                <a14:useLocalDpi xmlns:a14="http://schemas.microsoft.com/office/drawing/2010/main" val="0"/>
+              <a:ext uri="{FF2B5EF4-FFF2-40B4-BE49-F238E27FC236}">
+                <a16:creationId xmlns:a16="http://schemas.microsoft.com/office/drawing/2014/main" id="{0D5A222B-9DB1-4493-B234-00939271FEC1}"/>
               </a:ext>
             </a:extLst>
-          </a:blip>
-          <a:stretch>
-            <a:fillRect/>
-          </a:stretch>
-        </p:blipFill>
-        <p:spPr>
-          <a:xfrm>
-            <a:off x="0" y="0"/>
-            <a:ext cx="12191999" cy="6858994"/>
-          </a:xfrm>
-        </p:spPr>
-      </p:pic>
+          </p:cNvPr>
+          <p:cNvSpPr>
+            <a:spLocks noGrp="1"/>
+          </p:cNvSpPr>
+          <p:nvPr>
+            <p:ph idx="1"/>
+          </p:nvPr>
+        </p:nvSpPr>
+        <p:spPr/>
+        <p:txBody>
+          <a:bodyPr>
+            <a:normAutofit fontScale="40000" lnSpcReduction="20000"/>
+          </a:bodyPr>
+          <a:lstStyle/>
+          <a:p>
+            <a:r>
+              <a:rPr lang="es-ES" sz="4400" dirty="0">
+                <a:latin typeface="Trebuchet MS (Títulos)"/>
+              </a:rPr>
+              <a:t>El código utiliza la librería </a:t>
+            </a:r>
+            <a:r>
+              <a:rPr lang="es-ES" sz="4400" b="1" dirty="0">
+                <a:latin typeface="Trebuchet MS (Títulos)"/>
+              </a:rPr>
+              <a:t>ggplot2</a:t>
+            </a:r>
+            <a:r>
+              <a:rPr lang="es-ES" sz="4400" dirty="0">
+                <a:latin typeface="Trebuchet MS (Títulos)"/>
+              </a:rPr>
+              <a:t> en R para crear un gráfico de barras a partir de los datos proporcionados en el objeto </a:t>
+            </a:r>
+            <a:r>
+              <a:rPr lang="es-ES" sz="4400" dirty="0" err="1">
+                <a:latin typeface="Trebuchet MS (Títulos)"/>
+              </a:rPr>
+              <a:t>datos_grafico</a:t>
+            </a:r>
+            <a:r>
+              <a:rPr lang="es-ES" sz="4400" dirty="0">
+                <a:latin typeface="Trebuchet MS (Títulos)"/>
+              </a:rPr>
+              <a:t>. Se asigna la columna "Palabra" al eje x y la columna "Numero" al eje y. Además, se utiliza la columna "Palabra" para definir el color de las barras.</a:t>
+            </a:r>
+          </a:p>
+          <a:p>
+            <a:r>
+              <a:rPr lang="es-ES" sz="4400" dirty="0">
+                <a:latin typeface="Trebuchet MS (Títulos)"/>
+              </a:rPr>
+              <a:t>Se agrega una capa al gráfico utilizando </a:t>
+            </a:r>
+            <a:r>
+              <a:rPr lang="es-ES" sz="4400" b="1" dirty="0" err="1">
+                <a:latin typeface="Trebuchet MS (Títulos)"/>
+              </a:rPr>
+              <a:t>geom_bar</a:t>
+            </a:r>
+            <a:r>
+              <a:rPr lang="es-ES" sz="4400" dirty="0">
+                <a:latin typeface="Trebuchet MS (Títulos)"/>
+              </a:rPr>
+              <a:t>, lo que crea un gráfico de barras. El argumento </a:t>
+            </a:r>
+            <a:r>
+              <a:rPr lang="es-ES" sz="4400" dirty="0" err="1">
+                <a:latin typeface="Trebuchet MS (Títulos)"/>
+              </a:rPr>
+              <a:t>stat</a:t>
+            </a:r>
+            <a:r>
+              <a:rPr lang="es-ES" sz="4400" dirty="0">
+                <a:latin typeface="Trebuchet MS (Títulos)"/>
+              </a:rPr>
+              <a:t> = "</a:t>
+            </a:r>
+            <a:r>
+              <a:rPr lang="es-ES" sz="4400" dirty="0" err="1">
+                <a:latin typeface="Trebuchet MS (Títulos)"/>
+              </a:rPr>
+              <a:t>identity</a:t>
+            </a:r>
+            <a:r>
+              <a:rPr lang="es-ES" sz="4400" dirty="0">
+                <a:latin typeface="Trebuchet MS (Títulos)"/>
+              </a:rPr>
+              <a:t>" indica que las alturas de las barras se toman directamente de los datos proporcionados en "Numero", en lugar de calcular frecuencias. El argumento color = "</a:t>
+            </a:r>
+            <a:r>
+              <a:rPr lang="es-ES" sz="4400" dirty="0" err="1">
+                <a:latin typeface="Trebuchet MS (Títulos)"/>
+              </a:rPr>
+              <a:t>black</a:t>
+            </a:r>
+            <a:r>
+              <a:rPr lang="es-ES" sz="4400" dirty="0">
+                <a:latin typeface="Trebuchet MS (Títulos)"/>
+              </a:rPr>
+              <a:t>" define el color del borde de las barras, que es negro.</a:t>
+            </a:r>
+          </a:p>
+          <a:p>
+            <a:r>
+              <a:rPr lang="es-ES" sz="4400" dirty="0">
+                <a:latin typeface="Trebuchet MS (Títulos)"/>
+              </a:rPr>
+              <a:t>Se agregan etiquetas al gráfico mediante </a:t>
+            </a:r>
+            <a:r>
+              <a:rPr lang="es-ES" sz="4400" b="1" dirty="0" err="1">
+                <a:latin typeface="Trebuchet MS (Títulos)"/>
+              </a:rPr>
+              <a:t>labs</a:t>
+            </a:r>
+            <a:r>
+              <a:rPr lang="es-ES" sz="4400" dirty="0">
+                <a:latin typeface="Trebuchet MS (Títulos)"/>
+              </a:rPr>
+              <a:t>. La etiqueta del eje x se omite (x = NULL), y se asigna la etiqueta "Número de frases" al eje y. Además, se asigna el título "Frases que contienen palabras clave" al gráfico.</a:t>
+            </a:r>
+          </a:p>
+          <a:p>
+            <a:r>
+              <a:rPr lang="es-ES" sz="4400" dirty="0">
+                <a:latin typeface="Trebuchet MS (Títulos)"/>
+              </a:rPr>
+              <a:t>Se personaliza el tema del gráfico utilizando </a:t>
+            </a:r>
+            <a:r>
+              <a:rPr lang="es-ES" sz="4400" b="1" dirty="0" err="1">
+                <a:latin typeface="Trebuchet MS (Títulos)"/>
+              </a:rPr>
+              <a:t>theme</a:t>
+            </a:r>
+            <a:r>
+              <a:rPr lang="es-ES" sz="4400" dirty="0">
+                <a:latin typeface="Trebuchet MS (Títulos)"/>
+              </a:rPr>
+              <a:t>. Se ajusta el ángulo del texto en el eje x a 45 grados (</a:t>
+            </a:r>
+            <a:r>
+              <a:rPr lang="es-ES" sz="4400" dirty="0" err="1">
+                <a:latin typeface="Trebuchet MS (Títulos)"/>
+              </a:rPr>
+              <a:t>angle</a:t>
+            </a:r>
+            <a:r>
+              <a:rPr lang="es-ES" sz="4400" dirty="0">
+                <a:latin typeface="Trebuchet MS (Títulos)"/>
+              </a:rPr>
+              <a:t> = 45) para evitar la superposición de etiquetas y mejorar la legibilidad. El argumento </a:t>
+            </a:r>
+            <a:r>
+              <a:rPr lang="es-ES" sz="4400" dirty="0" err="1">
+                <a:latin typeface="Trebuchet MS (Títulos)"/>
+              </a:rPr>
+              <a:t>hjust</a:t>
+            </a:r>
+            <a:r>
+              <a:rPr lang="es-ES" sz="4400" dirty="0">
+                <a:latin typeface="Trebuchet MS (Títulos)"/>
+              </a:rPr>
+              <a:t> = 1 alinea horizontalmente el texto en el eje x.</a:t>
+            </a:r>
+          </a:p>
+          <a:p>
+            <a:endParaRPr lang="es-CO" dirty="0"/>
+          </a:p>
+        </p:txBody>
+      </p:sp>
     </p:spTree>
     <p:extLst>
       <p:ext uri="{BB962C8B-B14F-4D97-AF65-F5344CB8AC3E}">
-        <p14:creationId xmlns:p14="http://schemas.microsoft.com/office/powerpoint/2010/main" val="4150133507"/>
+        <p14:creationId xmlns:p14="http://schemas.microsoft.com/office/powerpoint/2010/main" val="2309351779"/>
       </p:ext>
     </p:extLst>
   </p:cSld>
@@ -9755,7 +9617,7 @@
           <p:cNvPr id="2" name="Título 1">
             <a:extLst>
               <a:ext uri="{FF2B5EF4-FFF2-40B4-BE49-F238E27FC236}">
-                <a16:creationId xmlns:a16="http://schemas.microsoft.com/office/drawing/2014/main" id="{9DD96EEA-FD12-4840-9623-1D382B3B1217}"/>
+                <a16:creationId xmlns:a16="http://schemas.microsoft.com/office/drawing/2014/main" id="{D778969E-AFAA-1D45-7AD9-D78D32FA8AEE}"/>
               </a:ext>
             </a:extLst>
           </p:cNvPr>
@@ -9774,21 +9636,10 @@
           <a:lstStyle/>
           <a:p>
             <a:r>
-              <a:rPr lang="es-ES" sz="2800" dirty="0">
-                <a:latin typeface="Trebuchet MS (Títulos)"/>
-              </a:rPr>
-              <a:t>Librería </a:t>
-            </a:r>
-            <a:r>
-              <a:rPr lang="es-ES" sz="2800" b="0" i="0" dirty="0">
-                <a:effectLst/>
-                <a:latin typeface="Trebuchet MS (Títulos)"/>
-              </a:rPr>
-              <a:t>ggplot2</a:t>
-            </a:r>
-            <a:endParaRPr lang="es-CO" sz="2800" dirty="0">
-              <a:latin typeface="Trebuchet MS (Títulos)"/>
-            </a:endParaRPr>
+              <a:rPr lang="es-MX" sz="2800" dirty="0"/>
+              <a:t>Palabra clave </a:t>
+            </a:r>
+            <a:endParaRPr lang="es-CO" sz="2800" dirty="0"/>
           </a:p>
         </p:txBody>
       </p:sp>
@@ -9797,7 +9648,7 @@
           <p:cNvPr id="3" name="Marcador de contenido 2">
             <a:extLst>
               <a:ext uri="{FF2B5EF4-FFF2-40B4-BE49-F238E27FC236}">
-                <a16:creationId xmlns:a16="http://schemas.microsoft.com/office/drawing/2014/main" id="{E6D5669C-089E-8FFC-6554-7E1E2200D050}"/>
+                <a16:creationId xmlns:a16="http://schemas.microsoft.com/office/drawing/2014/main" id="{5440D358-AE7B-1376-9EBA-C8ED3DB43F6C}"/>
               </a:ext>
             </a:extLst>
           </p:cNvPr>
@@ -9808,176 +9659,56 @@
             <p:ph idx="1"/>
           </p:nvPr>
         </p:nvSpPr>
-        <p:spPr>
-          <a:xfrm>
-            <a:off x="680321" y="2336873"/>
-            <a:ext cx="9613861" cy="4156206"/>
-          </a:xfrm>
-        </p:spPr>
+        <p:spPr/>
         <p:txBody>
           <a:bodyPr>
             <a:normAutofit/>
           </a:bodyPr>
           <a:lstStyle/>
           <a:p>
-            <a:pPr marL="0" indent="0">
-              <a:buNone/>
-            </a:pPr>
             <a:r>
               <a:rPr lang="es-ES" b="0" i="0" dirty="0">
                 <a:effectLst/>
                 <a:latin typeface="Trebuchet MS (Títulos)"/>
               </a:rPr>
-              <a:t>ggplot2 es un sistema para crear gráficos declarativamente, basado en </a:t>
-            </a:r>
-            <a:r>
-              <a:rPr lang="es-ES" b="0" i="0" u="sng" dirty="0" err="1">
-                <a:effectLst/>
-                <a:latin typeface="Trebuchet MS (Títulos)"/>
-                <a:hlinkClick r:id="rId2">
-                  <a:extLst>
-                    <a:ext uri="{A12FA001-AC4F-418D-AE19-62706E023703}">
-                      <ahyp:hlinkClr xmlns:ahyp="http://schemas.microsoft.com/office/drawing/2018/hyperlinkcolor" val="tx"/>
-                    </a:ext>
-                  </a:extLst>
-                </a:hlinkClick>
-              </a:rPr>
-              <a:t>The</a:t>
-            </a:r>
-            <a:r>
-              <a:rPr lang="es-ES" b="0" i="0" u="sng" dirty="0">
-                <a:effectLst/>
-                <a:latin typeface="Trebuchet MS (Títulos)"/>
-                <a:hlinkClick r:id="rId2">
-                  <a:extLst>
-                    <a:ext uri="{A12FA001-AC4F-418D-AE19-62706E023703}">
-                      <ahyp:hlinkClr xmlns:ahyp="http://schemas.microsoft.com/office/drawing/2018/hyperlinkcolor" val="tx"/>
-                    </a:ext>
-                  </a:extLst>
-                </a:hlinkClick>
-              </a:rPr>
-              <a:t> </a:t>
-            </a:r>
-            <a:r>
-              <a:rPr lang="es-ES" b="0" i="0" u="sng" dirty="0" err="1">
-                <a:effectLst/>
-                <a:latin typeface="Trebuchet MS (Títulos)"/>
-                <a:hlinkClick r:id="rId2">
-                  <a:extLst>
-                    <a:ext uri="{A12FA001-AC4F-418D-AE19-62706E023703}">
-                      <ahyp:hlinkClr xmlns:ahyp="http://schemas.microsoft.com/office/drawing/2018/hyperlinkcolor" val="tx"/>
-                    </a:ext>
-                  </a:extLst>
-                </a:hlinkClick>
-              </a:rPr>
-              <a:t>Grammar</a:t>
-            </a:r>
-            <a:r>
-              <a:rPr lang="es-ES" b="0" i="0" u="sng" dirty="0">
-                <a:effectLst/>
-                <a:latin typeface="Trebuchet MS (Títulos)"/>
-                <a:hlinkClick r:id="rId2">
-                  <a:extLst>
-                    <a:ext uri="{A12FA001-AC4F-418D-AE19-62706E023703}">
-                      <ahyp:hlinkClr xmlns:ahyp="http://schemas.microsoft.com/office/drawing/2018/hyperlinkcolor" val="tx"/>
-                    </a:ext>
-                  </a:extLst>
-                </a:hlinkClick>
-              </a:rPr>
-              <a:t> </a:t>
-            </a:r>
-            <a:r>
-              <a:rPr lang="es-ES" b="0" i="0" u="sng" dirty="0" err="1">
-                <a:effectLst/>
-                <a:latin typeface="Trebuchet MS (Títulos)"/>
-                <a:hlinkClick r:id="rId2">
-                  <a:extLst>
-                    <a:ext uri="{A12FA001-AC4F-418D-AE19-62706E023703}">
-                      <ahyp:hlinkClr xmlns:ahyp="http://schemas.microsoft.com/office/drawing/2018/hyperlinkcolor" val="tx"/>
-                    </a:ext>
-                  </a:extLst>
-                </a:hlinkClick>
-              </a:rPr>
-              <a:t>of</a:t>
-            </a:r>
-            <a:r>
-              <a:rPr lang="es-ES" b="0" i="0" u="sng" dirty="0">
-                <a:effectLst/>
-                <a:latin typeface="Trebuchet MS (Títulos)"/>
-                <a:hlinkClick r:id="rId2">
-                  <a:extLst>
-                    <a:ext uri="{A12FA001-AC4F-418D-AE19-62706E023703}">
-                      <ahyp:hlinkClr xmlns:ahyp="http://schemas.microsoft.com/office/drawing/2018/hyperlinkcolor" val="tx"/>
-                    </a:ext>
-                  </a:extLst>
-                </a:hlinkClick>
-              </a:rPr>
-              <a:t> </a:t>
-            </a:r>
-            <a:r>
-              <a:rPr lang="es-ES" b="0" i="0" u="sng" dirty="0" err="1">
-                <a:effectLst/>
-                <a:latin typeface="Trebuchet MS (Títulos)"/>
-                <a:hlinkClick r:id="rId2">
-                  <a:extLst>
-                    <a:ext uri="{A12FA001-AC4F-418D-AE19-62706E023703}">
-                      <ahyp:hlinkClr xmlns:ahyp="http://schemas.microsoft.com/office/drawing/2018/hyperlinkcolor" val="tx"/>
-                    </a:ext>
-                  </a:extLst>
-                </a:hlinkClick>
-              </a:rPr>
-              <a:t>Graphics</a:t>
-            </a:r>
+              <a:t>Conocer nuestras propias habilidades y limitaciones nos permite tomar decisiones más acertadas. Saber qué somos buenos nos da confianza para enfrentar nuevos desafíos, mientras que reconocer nuestras debilidades nos permite trabajar en ellas y mejorar.</a:t>
+            </a:r>
+            <a:endParaRPr lang="es-ES" dirty="0">
+              <a:latin typeface="Trebuchet MS (Títulos)"/>
+            </a:endParaRPr>
+          </a:p>
+          <a:p>
+            <a:pPr algn="l"/>
             <a:r>
               <a:rPr lang="es-ES" b="0" i="0" dirty="0">
                 <a:effectLst/>
                 <a:latin typeface="Trebuchet MS (Títulos)"/>
               </a:rPr>
-              <a:t> . Usted proporciona los datos, le dice a ggplot2 cómo asignar variables a la estética, qué primitivas gráficas usar y se ocupa de los detalles.</a:t>
-            </a:r>
-          </a:p>
-          <a:p>
-            <a:pPr marL="0" indent="0">
-              <a:buNone/>
-            </a:pPr>
-            <a:endParaRPr lang="es-ES" dirty="0">
-              <a:latin typeface="Trebuchet MS (Títulos)"/>
+              <a:t>El conocimiento del entorno en el que nos desenvolvemos también es esencial. Saber cómo funcionan las cosas, las reglas del juego y las oportunidades que se presentan nos da una ventaja para tomar decisiones inteligentes y aprovechar las situaciones a nuestro favor.</a:t>
+            </a:r>
+          </a:p>
+          <a:p>
+            <a:endParaRPr lang="es-ES" b="0" i="0" dirty="0">
+              <a:effectLst/>
+              <a:latin typeface="Söhne"/>
             </a:endParaRPr>
           </a:p>
           <a:p>
-            <a:pPr marL="0" indent="0">
-              <a:buNone/>
-            </a:pPr>
-            <a:r>
-              <a:rPr lang="es-ES" b="0" i="0" dirty="0">
-                <a:effectLst/>
-                <a:latin typeface="Trebuchet MS (Títulos)"/>
-              </a:rPr>
-              <a:t> librería ggplot2:</a:t>
-            </a:r>
-          </a:p>
-          <a:p>
-            <a:r>
-              <a:rPr lang="es-ES" b="0" i="0" dirty="0" err="1">
-                <a:effectLst/>
-                <a:latin typeface="Trebuchet MS (Títulos)"/>
-              </a:rPr>
-              <a:t>instalar.paquetes</a:t>
-            </a:r>
-            <a:r>
-              <a:rPr lang="es-ES" b="0" i="0" dirty="0">
-                <a:effectLst/>
-                <a:latin typeface="Trebuchet MS (Títulos)"/>
-              </a:rPr>
-              <a:t>("ggplot2")</a:t>
-            </a:r>
+            <a:pPr algn="l"/>
+            <a:endParaRPr lang="es-ES" b="0" i="0" dirty="0">
+              <a:effectLst/>
+              <a:latin typeface="Söhne"/>
+            </a:endParaRPr>
+          </a:p>
+          <a:p>
+            <a:endParaRPr lang="es-CO" dirty="0"/>
           </a:p>
         </p:txBody>
       </p:sp>
     </p:spTree>
     <p:extLst>
       <p:ext uri="{BB962C8B-B14F-4D97-AF65-F5344CB8AC3E}">
-        <p14:creationId xmlns:p14="http://schemas.microsoft.com/office/powerpoint/2010/main" val="3556703902"/>
+        <p14:creationId xmlns:p14="http://schemas.microsoft.com/office/powerpoint/2010/main" val="782508922"/>
       </p:ext>
     </p:extLst>
   </p:cSld>
@@ -10009,7 +9740,7 @@
           <p:cNvPr id="2" name="Título 1">
             <a:extLst>
               <a:ext uri="{FF2B5EF4-FFF2-40B4-BE49-F238E27FC236}">
-                <a16:creationId xmlns:a16="http://schemas.microsoft.com/office/drawing/2014/main" id="{D778969E-AFAA-1D45-7AD9-D78D32FA8AEE}"/>
+                <a16:creationId xmlns:a16="http://schemas.microsoft.com/office/drawing/2014/main" id="{9DD96EEA-FD12-4840-9623-1D382B3B1217}"/>
               </a:ext>
             </a:extLst>
           </p:cNvPr>
@@ -10028,10 +9759,21 @@
           <a:lstStyle/>
           <a:p>
             <a:r>
-              <a:rPr lang="es-MX" sz="2800" dirty="0"/>
-              <a:t>Palabra clave </a:t>
-            </a:r>
-            <a:endParaRPr lang="es-CO" sz="2800" dirty="0"/>
+              <a:rPr lang="es-ES" sz="2800" dirty="0">
+                <a:latin typeface="Trebuchet MS (Títulos)"/>
+              </a:rPr>
+              <a:t>Librería </a:t>
+            </a:r>
+            <a:r>
+              <a:rPr lang="es-ES" sz="2800" b="0" i="0" dirty="0">
+                <a:effectLst/>
+                <a:latin typeface="Trebuchet MS (Títulos)"/>
+              </a:rPr>
+              <a:t>ggplot2</a:t>
+            </a:r>
+            <a:endParaRPr lang="es-CO" sz="2800" dirty="0">
+              <a:latin typeface="Trebuchet MS (Títulos)"/>
+            </a:endParaRPr>
           </a:p>
         </p:txBody>
       </p:sp>
@@ -10040,7 +9782,7 @@
           <p:cNvPr id="3" name="Marcador de contenido 2">
             <a:extLst>
               <a:ext uri="{FF2B5EF4-FFF2-40B4-BE49-F238E27FC236}">
-                <a16:creationId xmlns:a16="http://schemas.microsoft.com/office/drawing/2014/main" id="{5440D358-AE7B-1376-9EBA-C8ED3DB43F6C}"/>
+                <a16:creationId xmlns:a16="http://schemas.microsoft.com/office/drawing/2014/main" id="{E6D5669C-089E-8FFC-6554-7E1E2200D050}"/>
               </a:ext>
             </a:extLst>
           </p:cNvPr>
@@ -10051,56 +9793,176 @@
             <p:ph idx="1"/>
           </p:nvPr>
         </p:nvSpPr>
-        <p:spPr/>
+        <p:spPr>
+          <a:xfrm>
+            <a:off x="680321" y="2336873"/>
+            <a:ext cx="9613861" cy="4156206"/>
+          </a:xfrm>
+        </p:spPr>
         <p:txBody>
           <a:bodyPr>
             <a:normAutofit/>
           </a:bodyPr>
           <a:lstStyle/>
           <a:p>
+            <a:pPr marL="0" indent="0">
+              <a:buNone/>
+            </a:pPr>
             <a:r>
               <a:rPr lang="es-ES" b="0" i="0" dirty="0">
                 <a:effectLst/>
                 <a:latin typeface="Trebuchet MS (Títulos)"/>
               </a:rPr>
-              <a:t>Conocer nuestras propias habilidades y limitaciones nos permite tomar decisiones más acertadas. Saber qué somos buenos nos da confianza para enfrentar nuevos desafíos, mientras que reconocer nuestras debilidades nos permite trabajar en ellas y mejorar.</a:t>
-            </a:r>
+              <a:t>ggplot2 es un sistema para crear gráficos declarativamente, basado en </a:t>
+            </a:r>
+            <a:r>
+              <a:rPr lang="es-ES" b="0" i="0" u="sng" dirty="0" err="1">
+                <a:effectLst/>
+                <a:latin typeface="Trebuchet MS (Títulos)"/>
+                <a:hlinkClick r:id="rId2">
+                  <a:extLst>
+                    <a:ext uri="{A12FA001-AC4F-418D-AE19-62706E023703}">
+                      <ahyp:hlinkClr xmlns:ahyp="http://schemas.microsoft.com/office/drawing/2018/hyperlinkcolor" val="tx"/>
+                    </a:ext>
+                  </a:extLst>
+                </a:hlinkClick>
+              </a:rPr>
+              <a:t>The</a:t>
+            </a:r>
+            <a:r>
+              <a:rPr lang="es-ES" b="0" i="0" u="sng" dirty="0">
+                <a:effectLst/>
+                <a:latin typeface="Trebuchet MS (Títulos)"/>
+                <a:hlinkClick r:id="rId2">
+                  <a:extLst>
+                    <a:ext uri="{A12FA001-AC4F-418D-AE19-62706E023703}">
+                      <ahyp:hlinkClr xmlns:ahyp="http://schemas.microsoft.com/office/drawing/2018/hyperlinkcolor" val="tx"/>
+                    </a:ext>
+                  </a:extLst>
+                </a:hlinkClick>
+              </a:rPr>
+              <a:t> </a:t>
+            </a:r>
+            <a:r>
+              <a:rPr lang="es-ES" b="0" i="0" u="sng" dirty="0" err="1">
+                <a:effectLst/>
+                <a:latin typeface="Trebuchet MS (Títulos)"/>
+                <a:hlinkClick r:id="rId2">
+                  <a:extLst>
+                    <a:ext uri="{A12FA001-AC4F-418D-AE19-62706E023703}">
+                      <ahyp:hlinkClr xmlns:ahyp="http://schemas.microsoft.com/office/drawing/2018/hyperlinkcolor" val="tx"/>
+                    </a:ext>
+                  </a:extLst>
+                </a:hlinkClick>
+              </a:rPr>
+              <a:t>Grammar</a:t>
+            </a:r>
+            <a:r>
+              <a:rPr lang="es-ES" b="0" i="0" u="sng" dirty="0">
+                <a:effectLst/>
+                <a:latin typeface="Trebuchet MS (Títulos)"/>
+                <a:hlinkClick r:id="rId2">
+                  <a:extLst>
+                    <a:ext uri="{A12FA001-AC4F-418D-AE19-62706E023703}">
+                      <ahyp:hlinkClr xmlns:ahyp="http://schemas.microsoft.com/office/drawing/2018/hyperlinkcolor" val="tx"/>
+                    </a:ext>
+                  </a:extLst>
+                </a:hlinkClick>
+              </a:rPr>
+              <a:t> </a:t>
+            </a:r>
+            <a:r>
+              <a:rPr lang="es-ES" b="0" i="0" u="sng" dirty="0" err="1">
+                <a:effectLst/>
+                <a:latin typeface="Trebuchet MS (Títulos)"/>
+                <a:hlinkClick r:id="rId2">
+                  <a:extLst>
+                    <a:ext uri="{A12FA001-AC4F-418D-AE19-62706E023703}">
+                      <ahyp:hlinkClr xmlns:ahyp="http://schemas.microsoft.com/office/drawing/2018/hyperlinkcolor" val="tx"/>
+                    </a:ext>
+                  </a:extLst>
+                </a:hlinkClick>
+              </a:rPr>
+              <a:t>of</a:t>
+            </a:r>
+            <a:r>
+              <a:rPr lang="es-ES" b="0" i="0" u="sng" dirty="0">
+                <a:effectLst/>
+                <a:latin typeface="Trebuchet MS (Títulos)"/>
+                <a:hlinkClick r:id="rId2">
+                  <a:extLst>
+                    <a:ext uri="{A12FA001-AC4F-418D-AE19-62706E023703}">
+                      <ahyp:hlinkClr xmlns:ahyp="http://schemas.microsoft.com/office/drawing/2018/hyperlinkcolor" val="tx"/>
+                    </a:ext>
+                  </a:extLst>
+                </a:hlinkClick>
+              </a:rPr>
+              <a:t> </a:t>
+            </a:r>
+            <a:r>
+              <a:rPr lang="es-ES" b="0" i="0" u="sng" dirty="0" err="1">
+                <a:effectLst/>
+                <a:latin typeface="Trebuchet MS (Títulos)"/>
+                <a:hlinkClick r:id="rId2">
+                  <a:extLst>
+                    <a:ext uri="{A12FA001-AC4F-418D-AE19-62706E023703}">
+                      <ahyp:hlinkClr xmlns:ahyp="http://schemas.microsoft.com/office/drawing/2018/hyperlinkcolor" val="tx"/>
+                    </a:ext>
+                  </a:extLst>
+                </a:hlinkClick>
+              </a:rPr>
+              <a:t>Graphics</a:t>
+            </a:r>
+            <a:r>
+              <a:rPr lang="es-ES" b="0" i="0" dirty="0">
+                <a:effectLst/>
+                <a:latin typeface="Trebuchet MS (Títulos)"/>
+              </a:rPr>
+              <a:t> . Usted proporciona los datos, le dice a ggplot2 cómo asignar variables a la estética, qué primitivas gráficas usar y se ocupa de los detalles.</a:t>
+            </a:r>
+          </a:p>
+          <a:p>
+            <a:pPr marL="0" indent="0">
+              <a:buNone/>
+            </a:pPr>
             <a:endParaRPr lang="es-ES" dirty="0">
               <a:latin typeface="Trebuchet MS (Títulos)"/>
             </a:endParaRPr>
           </a:p>
           <a:p>
-            <a:pPr algn="l"/>
+            <a:pPr marL="0" indent="0">
+              <a:buNone/>
+            </a:pPr>
             <a:r>
               <a:rPr lang="es-ES" b="0" i="0" dirty="0">
                 <a:effectLst/>
                 <a:latin typeface="Trebuchet MS (Títulos)"/>
               </a:rPr>
-              <a:t>El conocimiento del entorno en el que nos desenvolvemos también es esencial. Saber cómo funcionan las cosas, las reglas del juego y las oportunidades que se presentan nos da una ventaja para tomar decisiones inteligentes y aprovechar las situaciones a nuestro favor.</a:t>
-            </a:r>
-          </a:p>
-          <a:p>
-            <a:endParaRPr lang="es-ES" b="0" i="0" dirty="0">
-              <a:effectLst/>
-              <a:latin typeface="Söhne"/>
-            </a:endParaRPr>
-          </a:p>
-          <a:p>
-            <a:pPr algn="l"/>
-            <a:endParaRPr lang="es-ES" b="0" i="0" dirty="0">
-              <a:effectLst/>
-              <a:latin typeface="Söhne"/>
-            </a:endParaRPr>
-          </a:p>
-          <a:p>
-            <a:endParaRPr lang="es-CO" dirty="0"/>
+              <a:t> librería ggplot2:</a:t>
+            </a:r>
+          </a:p>
+          <a:p>
+            <a:r>
+              <a:rPr lang="es-ES" b="0" i="0" dirty="0" err="1">
+                <a:effectLst/>
+                <a:latin typeface="Trebuchet MS (Títulos)"/>
+              </a:rPr>
+              <a:t>instalar.paquetes</a:t>
+            </a:r>
+            <a:r>
+              <a:rPr lang="es-ES" b="0" i="0" dirty="0">
+                <a:effectLst/>
+                <a:latin typeface="Trebuchet MS (Títulos)"/>
+              </a:rPr>
+              <a:t>("ggplot2")</a:t>
+            </a:r>
           </a:p>
         </p:txBody>
       </p:sp>
     </p:spTree>
     <p:extLst>
       <p:ext uri="{BB962C8B-B14F-4D97-AF65-F5344CB8AC3E}">
-        <p14:creationId xmlns:p14="http://schemas.microsoft.com/office/powerpoint/2010/main" val="782508922"/>
+        <p14:creationId xmlns:p14="http://schemas.microsoft.com/office/powerpoint/2010/main" val="3556703902"/>
       </p:ext>
     </p:extLst>
   </p:cSld>
@@ -10132,7 +9994,7 @@
           <p:cNvPr id="2" name="Título 1">
             <a:extLst>
               <a:ext uri="{FF2B5EF4-FFF2-40B4-BE49-F238E27FC236}">
-                <a16:creationId xmlns:a16="http://schemas.microsoft.com/office/drawing/2014/main" id="{B62330A1-FD1E-4F20-DACF-3AFD8FE85805}"/>
+                <a16:creationId xmlns:a16="http://schemas.microsoft.com/office/drawing/2014/main" id="{D78D24A6-82F6-B69C-DBE8-E34AD5BC5FD6}"/>
               </a:ext>
             </a:extLst>
           </p:cNvPr>
@@ -10145,31 +10007,14 @@
         </p:nvSpPr>
         <p:spPr/>
         <p:txBody>
-          <a:bodyPr>
-            <a:normAutofit/>
-          </a:bodyPr>
+          <a:bodyPr/>
           <a:lstStyle/>
           <a:p>
-            <a:pPr marL="228600" indent="-228600">
-              <a:spcBef>
-                <a:spcPts val="1000"/>
-              </a:spcBef>
-              <a:buFont typeface="Arial" panose="020B0604020202020204" pitchFamily="34" charset="0"/>
-              <a:buChar char="•"/>
-            </a:pPr>
-            <a:r>
-              <a:rPr lang="es-MX" sz="2800" dirty="0">
-                <a:latin typeface="Trebuchet MS (Títulos)"/>
-                <a:ea typeface="+mn-ea"/>
-                <a:cs typeface="+mn-cs"/>
-              </a:rPr>
-              <a:t>La vida es una batalla</a:t>
-            </a:r>
-            <a:endParaRPr lang="es-CO" sz="2800" dirty="0">
-              <a:latin typeface="Trebuchet MS (Títulos)"/>
-              <a:ea typeface="+mn-ea"/>
-              <a:cs typeface="+mn-cs"/>
-            </a:endParaRPr>
+            <a:r>
+              <a:rPr lang="es-MX" sz="2800" dirty="0"/>
+              <a:t>Sintaxis</a:t>
+            </a:r>
+            <a:endParaRPr lang="es-CO" dirty="0"/>
           </a:p>
         </p:txBody>
       </p:sp>
@@ -10178,7 +10023,7 @@
           <p:cNvPr id="3" name="Marcador de contenido 2">
             <a:extLst>
               <a:ext uri="{FF2B5EF4-FFF2-40B4-BE49-F238E27FC236}">
-                <a16:creationId xmlns:a16="http://schemas.microsoft.com/office/drawing/2014/main" id="{F3F7B452-6521-1B77-5284-834AF63F229B}"/>
+                <a16:creationId xmlns:a16="http://schemas.microsoft.com/office/drawing/2014/main" id="{4C5CB410-5020-313C-2271-B98893D6CD0B}"/>
               </a:ext>
             </a:extLst>
           </p:cNvPr>
@@ -10192,46 +10037,201 @@
         <p:spPr/>
         <p:txBody>
           <a:bodyPr>
-            <a:normAutofit/>
+            <a:noAutofit/>
           </a:bodyPr>
           <a:lstStyle/>
           <a:p>
-            <a:pPr algn="l"/>
             <a:r>
               <a:rPr lang="es-ES" dirty="0">
                 <a:latin typeface="Trebuchet MS (Títulos)"/>
               </a:rPr>
-              <a:t>Imaginen que nuestra vida es como un campo de batalla, lleno de desafíos y obstáculos que debemos superar. En este "campo", el saber es nuestra arma secreta. Cuando enfrentamos problemas o decisiones difíciles, el conocimiento nos proporciona una guía valiosa.</a:t>
-            </a:r>
-          </a:p>
-          <a:p>
-            <a:pPr algn="l"/>
+              <a:t>Es difícil describir sucintamente cómo funciona ggplot2 porque encarna una profunda filosofía de visualización. Sin embargo, en la mayoría de los casos, comienza con:</a:t>
+            </a:r>
+          </a:p>
+          <a:p>
+            <a:r>
+              <a:rPr lang="es-ES" dirty="0" err="1">
+                <a:latin typeface="Trebuchet MS (Títulos)"/>
+              </a:rPr>
+              <a:t>ggplot</a:t>
+            </a:r>
             <a:r>
               <a:rPr lang="es-ES" dirty="0">
                 <a:latin typeface="Trebuchet MS (Títulos)"/>
               </a:rPr>
-              <a:t>Conocer a las personas que nos rodean, entender sus puntos de vista y emociones, nos ayuda a establecer conexiones más fuertes y a resolver conflictos. Al comprender sus fortalezas y debilidades, podemos formar equipos sólidos y apoyarnos mutuamente en momentos de necesidad.</a:t>
-            </a:r>
-          </a:p>
-          <a:p>
-            <a:pPr algn="l"/>
-            <a:endParaRPr lang="es-ES" b="0" i="0" dirty="0">
-              <a:effectLst/>
-              <a:latin typeface="Söhne"/>
-            </a:endParaRPr>
-          </a:p>
-          <a:p>
-            <a:endParaRPr lang="es-CO" dirty="0"/>
-          </a:p>
-          <a:p>
-            <a:endParaRPr lang="es-CO" dirty="0"/>
+              <a:t>(</a:t>
+            </a:r>
+            <a:r>
+              <a:rPr lang="es-ES" dirty="0" err="1">
+                <a:latin typeface="Trebuchet MS (Títulos)"/>
+              </a:rPr>
+              <a:t>datos_grafico</a:t>
+            </a:r>
+            <a:r>
+              <a:rPr lang="es-ES" dirty="0">
+                <a:latin typeface="Trebuchet MS (Títulos)"/>
+              </a:rPr>
+              <a:t>, </a:t>
+            </a:r>
+          </a:p>
+          <a:p>
+            <a:r>
+              <a:rPr lang="es-ES" dirty="0">
+                <a:latin typeface="Trebuchet MS (Títulos)"/>
+              </a:rPr>
+              <a:t>aes(x = Palabra, y = Numero, </a:t>
+            </a:r>
+            <a:r>
+              <a:rPr lang="es-ES" dirty="0" err="1">
+                <a:latin typeface="Trebuchet MS (Títulos)"/>
+              </a:rPr>
+              <a:t>fill</a:t>
+            </a:r>
+            <a:r>
+              <a:rPr lang="es-ES" dirty="0">
+                <a:latin typeface="Trebuchet MS (Títulos)"/>
+              </a:rPr>
+              <a:t> = Palabra)) + </a:t>
+            </a:r>
+          </a:p>
+          <a:p>
+            <a:r>
+              <a:rPr lang="es-ES" dirty="0" err="1">
+                <a:latin typeface="Trebuchet MS (Títulos)"/>
+              </a:rPr>
+              <a:t>geom_bar</a:t>
+            </a:r>
+            <a:r>
+              <a:rPr lang="es-ES" dirty="0">
+                <a:latin typeface="Trebuchet MS (Títulos)"/>
+              </a:rPr>
+              <a:t>(</a:t>
+            </a:r>
+            <a:r>
+              <a:rPr lang="es-ES" dirty="0" err="1">
+                <a:latin typeface="Trebuchet MS (Títulos)"/>
+              </a:rPr>
+              <a:t>stat</a:t>
+            </a:r>
+            <a:r>
+              <a:rPr lang="es-ES" dirty="0">
+                <a:latin typeface="Trebuchet MS (Títulos)"/>
+              </a:rPr>
+              <a:t> = "</a:t>
+            </a:r>
+            <a:r>
+              <a:rPr lang="es-ES" dirty="0" err="1">
+                <a:latin typeface="Trebuchet MS (Títulos)"/>
+              </a:rPr>
+              <a:t>identity</a:t>
+            </a:r>
+            <a:r>
+              <a:rPr lang="es-ES" dirty="0">
+                <a:latin typeface="Trebuchet MS (Títulos)"/>
+              </a:rPr>
+              <a:t>", color = "</a:t>
+            </a:r>
+            <a:r>
+              <a:rPr lang="es-ES" dirty="0" err="1">
+                <a:latin typeface="Trebuchet MS (Títulos)"/>
+              </a:rPr>
+              <a:t>black</a:t>
+            </a:r>
+            <a:r>
+              <a:rPr lang="es-ES" dirty="0">
+                <a:latin typeface="Trebuchet MS (Títulos)"/>
+              </a:rPr>
+              <a:t>") +  </a:t>
+            </a:r>
+          </a:p>
+          <a:p>
+            <a:r>
+              <a:rPr lang="es-ES" dirty="0" err="1">
+                <a:latin typeface="Trebuchet MS (Títulos)"/>
+              </a:rPr>
+              <a:t>labs</a:t>
+            </a:r>
+            <a:r>
+              <a:rPr lang="es-ES" dirty="0">
+                <a:latin typeface="Trebuchet MS (Títulos)"/>
+              </a:rPr>
+              <a:t>(x = NULL, y = "Número de frases", </a:t>
+            </a:r>
+            <a:r>
+              <a:rPr lang="es-ES" dirty="0" err="1">
+                <a:latin typeface="Trebuchet MS (Títulos)"/>
+              </a:rPr>
+              <a:t>title</a:t>
+            </a:r>
+            <a:r>
+              <a:rPr lang="es-ES" dirty="0">
+                <a:latin typeface="Trebuchet MS (Títulos)"/>
+              </a:rPr>
+              <a:t> = "Frases que contienen palabras clave") + </a:t>
+            </a:r>
+          </a:p>
+          <a:p>
+            <a:r>
+              <a:rPr lang="es-ES" dirty="0">
+                <a:latin typeface="Trebuchet MS (Títulos)"/>
+              </a:rPr>
+              <a:t> </a:t>
+            </a:r>
+            <a:r>
+              <a:rPr lang="es-ES" dirty="0" err="1">
+                <a:latin typeface="Trebuchet MS (Títulos)"/>
+              </a:rPr>
+              <a:t>theme</a:t>
+            </a:r>
+            <a:r>
+              <a:rPr lang="es-ES" dirty="0">
+                <a:latin typeface="Trebuchet MS (Títulos)"/>
+              </a:rPr>
+              <a:t>(</a:t>
+            </a:r>
+            <a:r>
+              <a:rPr lang="es-ES" dirty="0" err="1">
+                <a:latin typeface="Trebuchet MS (Títulos)"/>
+              </a:rPr>
+              <a:t>axis.text.x</a:t>
+            </a:r>
+            <a:r>
+              <a:rPr lang="es-ES" dirty="0">
+                <a:latin typeface="Trebuchet MS (Títulos)"/>
+              </a:rPr>
+              <a:t> = </a:t>
+            </a:r>
+            <a:r>
+              <a:rPr lang="es-ES" dirty="0" err="1">
+                <a:latin typeface="Trebuchet MS (Títulos)"/>
+              </a:rPr>
+              <a:t>element_text</a:t>
+            </a:r>
+            <a:r>
+              <a:rPr lang="es-ES" dirty="0">
+                <a:latin typeface="Trebuchet MS (Títulos)"/>
+              </a:rPr>
+              <a:t>(angle = 45, </a:t>
+            </a:r>
+            <a:r>
+              <a:rPr lang="es-ES" dirty="0" err="1">
+                <a:latin typeface="Trebuchet MS (Títulos)"/>
+              </a:rPr>
+              <a:t>hjust</a:t>
+            </a:r>
+            <a:r>
+              <a:rPr lang="es-ES" dirty="0">
+                <a:latin typeface="Trebuchet MS (Títulos)"/>
+              </a:rPr>
+              <a:t> = 1))</a:t>
+            </a:r>
           </a:p>
         </p:txBody>
       </p:sp>
     </p:spTree>
     <p:extLst>
       <p:ext uri="{BB962C8B-B14F-4D97-AF65-F5344CB8AC3E}">
-        <p14:creationId xmlns:p14="http://schemas.microsoft.com/office/powerpoint/2010/main" val="2138356295"/>
+        <p14:creationId xmlns:p14="http://schemas.microsoft.com/office/powerpoint/2010/main" val="4108334512"/>
       </p:ext>
     </p:extLst>
   </p:cSld>

--- a/QUE DEBES CONOCER PARA GANAR CUALQUER BATALLA OTRA VERSION.pptx
+++ b/QUE DEBES CONOCER PARA GANAR CUALQUER BATALLA OTRA VERSION.pptx
@@ -7824,7 +7824,7 @@
           <a:p>
             <a:r>
               <a:rPr lang="es-ES" dirty="0"/>
-              <a:t>LUIS</a:t>
+              <a:t>LUIS GUAZO</a:t>
             </a:r>
             <a:endParaRPr lang="es-CO" dirty="0"/>
           </a:p>
@@ -8974,7 +8974,7 @@
               <a:rPr lang="es-ES" sz="2800" dirty="0">
                 <a:latin typeface="Trebuchet MS (Títulos)"/>
               </a:rPr>
-              <a:t>¡Bienvenidos, guerreros intrépidos, a esta breve presentación sobre el poder del conocimiento antes de entrar en batalla!</a:t>
+              <a:t>¡Bienvenidos, guerreros intrépidos, a esta breve presentación</a:t>
             </a:r>
           </a:p>
         </p:txBody>
@@ -9143,7 +9143,7 @@
                 <a:effectLst/>
                 <a:latin typeface="Söhne"/>
               </a:rPr>
-              <a:t>En el presente trabajo, abordaremos el análisis de una obra literaria utilizando técnicas de procesamiento de texto y visualización de datos. Nuestro objetivo es identificar las frases clave y realizar un estudio detallado de las mismas para comprender mejor la temática y el contenido de la obra.</a:t>
+              <a:t>En el presente trabajo, abordaremos el análisis de una obra literaria utilizando técnicas de procesamiento de texto y visualización de datos. Nuestro objetivo es identificar las frases claves y realizar un estudio detallado de las mismas para comprender mejor la temática y el contenido de la obra.</a:t>
             </a:r>
           </a:p>
           <a:p>
@@ -9243,7 +9243,6 @@
             </a:r>
           </a:p>
           <a:p>
-            <a:pPr algn="l"/>
             <a:r>
               <a:rPr lang="es-ES" b="0" i="0" dirty="0">
                 <a:effectLst/>
@@ -9277,7 +9276,20 @@
                 <a:effectLst/>
                 <a:latin typeface="Söhne"/>
               </a:rPr>
-              <a:t>" para leer el archivo y guardamos su contenido en la variable "</a:t>
+              <a:t>" para leer el archivo y guardamos su contenido </a:t>
+            </a:r>
+            <a:r>
+              <a:rPr lang="es-ES" dirty="0">
+                <a:latin typeface="Söhne"/>
+              </a:rPr>
+              <a:t>en un vector </a:t>
+            </a:r>
+            <a:r>
+              <a:rPr lang="es-ES" b="0" i="0" dirty="0">
+                <a:effectLst/>
+                <a:latin typeface="Söhne"/>
+              </a:rPr>
+              <a:t>"</a:t>
             </a:r>
             <a:r>
               <a:rPr lang="es-ES" b="0" i="0" dirty="0" err="1">
@@ -9291,7 +9303,20 @@
                 <a:effectLst/>
                 <a:latin typeface="Söhne"/>
               </a:rPr>
-              <a:t>". Luego, identificamos la posición en la que comienza la obra y la posición en la que finaliza para extraer el contenido relevante y guardarlo en las variables "</a:t>
+              <a:t>". Luego, identificamos la posición en la que comienza la obra y la posición en la que finaliza para extraer el </a:t>
+            </a:r>
+            <a:r>
+              <a:rPr lang="es-ES" dirty="0">
+                <a:latin typeface="Söhne"/>
+              </a:rPr>
+              <a:t>contenido </a:t>
+            </a:r>
+            <a:r>
+              <a:rPr lang="es-ES" b="0" i="0" dirty="0">
+                <a:effectLst/>
+                <a:latin typeface="Söhne"/>
+              </a:rPr>
+              <a:t>relevante en "</a:t>
             </a:r>
             <a:r>
               <a:rPr lang="es-ES" b="0" i="0" dirty="0" err="1">
@@ -9319,7 +9344,26 @@
                 <a:effectLst/>
                 <a:latin typeface="Söhne"/>
               </a:rPr>
-              <a:t>", respectivamente.</a:t>
+              <a:t>“ </a:t>
+            </a:r>
+            <a:r>
+              <a:rPr lang="es-ES" dirty="0">
+                <a:latin typeface="Söhne"/>
+              </a:rPr>
+              <a:t>y guardarlo </a:t>
+            </a:r>
+            <a:r>
+              <a:rPr lang="es-ES" dirty="0" err="1">
+                <a:latin typeface="Söhne"/>
+              </a:rPr>
+              <a:t>metadata.v</a:t>
+            </a:r>
+            <a:r>
+              <a:rPr lang="es-ES" b="0" i="0" dirty="0">
+                <a:effectLst/>
+                <a:latin typeface="Söhne"/>
+              </a:rPr>
+              <a:t>.</a:t>
             </a:r>
           </a:p>
           <a:p>
@@ -9441,25 +9485,18 @@
           <a:p>
             <a:pPr algn="l"/>
             <a:r>
+              <a:rPr lang="es-ES" b="0" i="0">
+                <a:effectLst/>
+                <a:latin typeface="Söhne"/>
+              </a:rPr>
+              <a:t>Luego imprimimos </a:t>
+            </a:r>
+            <a:r>
               <a:rPr lang="es-ES" b="0" i="0" dirty="0">
                 <a:effectLst/>
                 <a:latin typeface="Söhne"/>
               </a:rPr>
-              <a:t>Luego </a:t>
-            </a:r>
-            <a:r>
-              <a:rPr lang="es-ES" b="0" i="0" dirty="0" err="1">
-                <a:effectLst/>
-                <a:latin typeface="Söhne"/>
-              </a:rPr>
-              <a:t>impriminos</a:t>
-            </a:r>
-            <a:r>
-              <a:rPr lang="es-ES" b="0" i="0" dirty="0">
-                <a:effectLst/>
-                <a:latin typeface="Söhne"/>
-              </a:rPr>
-              <a:t> cada frase capturada entre los saltos de línea que contenga la palabra "conocer"</a:t>
+              <a:t>cada frase capturada entre los saltos de línea que contenga la palabra "conocer"</a:t>
             </a:r>
           </a:p>
           <a:p>
@@ -9918,7 +9955,7 @@
                 <a:effectLst/>
                 <a:latin typeface="Trebuchet MS (Títulos)"/>
               </a:rPr>
-              <a:t> . Usted proporciona los datos, le dice a ggplot2 cómo asignar variables a la estética, qué primitivas gráficas usar y se ocupa de los detalles.</a:t>
+              <a:t> . Usted proporciona los datos, le dice a ggplot2 cómo asignar variables a la estética, qué gráficas usar y se ocupa en los detalles.</a:t>
             </a:r>
           </a:p>
           <a:p>
@@ -10045,7 +10082,7 @@
               <a:rPr lang="es-ES" dirty="0">
                 <a:latin typeface="Trebuchet MS (Títulos)"/>
               </a:rPr>
-              <a:t>Es difícil describir sucintamente cómo funciona ggplot2 porque encarna una profunda filosofía de visualización. Sin embargo, en la mayoría de los casos, comienza con:</a:t>
+              <a:t>Es difícil describir brevemente cómo funciona ggplot2 porque encarna una profunda filosofía de visualización. Sin embargo, en la mayoría de los casos, comienza con:</a:t>
             </a:r>
           </a:p>
           <a:p>
